--- a/Power Point Slides/PRESENTATION SLIDES.pptx
+++ b/Power Point Slides/PRESENTATION SLIDES.pptx
@@ -5,7 +5,7 @@
     <p:sldMasterId id="2147483657" r:id="rId1"/>
   </p:sldMasterIdLst>
   <p:notesMasterIdLst>
-    <p:notesMasterId r:id="rId21"/>
+    <p:notesMasterId r:id="rId24"/>
   </p:notesMasterIdLst>
   <p:sldIdLst>
     <p:sldId id="256" r:id="rId2"/>
@@ -16,41 +16,51 @@
     <p:sldId id="260" r:id="rId7"/>
     <p:sldId id="261" r:id="rId8"/>
     <p:sldId id="263" r:id="rId9"/>
-    <p:sldId id="306" r:id="rId10"/>
-    <p:sldId id="296" r:id="rId11"/>
-    <p:sldId id="297" r:id="rId12"/>
-    <p:sldId id="298" r:id="rId13"/>
-    <p:sldId id="299" r:id="rId14"/>
-    <p:sldId id="300" r:id="rId15"/>
-    <p:sldId id="301" r:id="rId16"/>
-    <p:sldId id="302" r:id="rId17"/>
-    <p:sldId id="303" r:id="rId18"/>
-    <p:sldId id="304" r:id="rId19"/>
-    <p:sldId id="305" r:id="rId20"/>
+    <p:sldId id="296" r:id="rId10"/>
+    <p:sldId id="297" r:id="rId11"/>
+    <p:sldId id="298" r:id="rId12"/>
+    <p:sldId id="299" r:id="rId13"/>
+    <p:sldId id="300" r:id="rId14"/>
+    <p:sldId id="301" r:id="rId15"/>
+    <p:sldId id="302" r:id="rId16"/>
+    <p:sldId id="303" r:id="rId17"/>
+    <p:sldId id="304" r:id="rId18"/>
+    <p:sldId id="305" r:id="rId19"/>
+    <p:sldId id="311" r:id="rId20"/>
+    <p:sldId id="310" r:id="rId21"/>
+    <p:sldId id="309" r:id="rId22"/>
+    <p:sldId id="308" r:id="rId23"/>
   </p:sldIdLst>
   <p:sldSz cx="9144000" cy="5143500" type="screen16x9"/>
   <p:notesSz cx="6858000" cy="9144000"/>
   <p:embeddedFontLst>
     <p:embeddedFont>
       <p:font typeface="Arvo" panose="020B0604020202020204" charset="0"/>
-      <p:regular r:id="rId22"/>
-      <p:bold r:id="rId23"/>
-      <p:italic r:id="rId24"/>
-      <p:boldItalic r:id="rId25"/>
+      <p:regular r:id="rId25"/>
+      <p:bold r:id="rId26"/>
+      <p:italic r:id="rId27"/>
+      <p:boldItalic r:id="rId28"/>
     </p:embeddedFont>
     <p:embeddedFont>
-      <p:font typeface="Roboto Condensed" panose="02000000000000000000" pitchFamily="2" charset="0"/>
-      <p:regular r:id="rId26"/>
-      <p:bold r:id="rId27"/>
-      <p:italic r:id="rId28"/>
-      <p:boldItalic r:id="rId29"/>
+      <p:font typeface="Roboto Condensed" panose="020B0604020202020204" charset="0"/>
+      <p:regular r:id="rId29"/>
+      <p:bold r:id="rId30"/>
+      <p:italic r:id="rId31"/>
+      <p:boldItalic r:id="rId32"/>
     </p:embeddedFont>
     <p:embeddedFont>
-      <p:font typeface="Roboto Condensed Light" panose="02000000000000000000" pitchFamily="2" charset="0"/>
-      <p:regular r:id="rId30"/>
-      <p:bold r:id="rId31"/>
-      <p:italic r:id="rId32"/>
-      <p:boldItalic r:id="rId33"/>
+      <p:font typeface="Roboto Condensed Light" panose="020B0604020202020204" charset="0"/>
+      <p:regular r:id="rId33"/>
+      <p:bold r:id="rId34"/>
+      <p:italic r:id="rId35"/>
+      <p:boldItalic r:id="rId36"/>
+    </p:embeddedFont>
+    <p:embeddedFont>
+      <p:font typeface="Segoe UI" panose="020B0502040204020203" pitchFamily="34" charset="0"/>
+      <p:regular r:id="rId37"/>
+      <p:bold r:id="rId38"/>
+      <p:italic r:id="rId39"/>
+      <p:boldItalic r:id="rId40"/>
     </p:embeddedFont>
   </p:embeddedFontLst>
   <p:defaultTextStyle>
@@ -838,6 +848,224 @@
 </p:notes>
 </file>
 
+<file path=ppt/notesSlides/notesSlide10.xml><?xml version="1.0" encoding="utf-8"?>
+<p:notes xmlns:a="http://schemas.openxmlformats.org/drawingml/2006/main" xmlns:r="http://schemas.openxmlformats.org/officeDocument/2006/relationships" xmlns:p="http://schemas.openxmlformats.org/presentationml/2006/main" showMasterSp="0" showMasterPhAnim="0">
+  <p:cSld>
+    <p:spTree>
+      <p:nvGrpSpPr>
+        <p:cNvPr id="1" name="Shape 232"/>
+        <p:cNvGrpSpPr/>
+        <p:nvPr/>
+      </p:nvGrpSpPr>
+      <p:grpSpPr>
+        <a:xfrm>
+          <a:off x="0" y="0"/>
+          <a:ext cx="0" cy="0"/>
+          <a:chOff x="0" y="0"/>
+          <a:chExt cx="0" cy="0"/>
+        </a:xfrm>
+      </p:grpSpPr>
+      <p:sp>
+        <p:nvSpPr>
+          <p:cNvPr id="233" name="Google Shape;233;p:notes"/>
+          <p:cNvSpPr>
+            <a:spLocks noGrp="1" noRot="1" noChangeAspect="1"/>
+          </p:cNvSpPr>
+          <p:nvPr>
+            <p:ph type="sldImg" idx="2"/>
+          </p:nvPr>
+        </p:nvSpPr>
+        <p:spPr>
+          <a:xfrm>
+            <a:off x="381000" y="685800"/>
+            <a:ext cx="6096000" cy="3429000"/>
+          </a:xfrm>
+          <a:custGeom>
+            <a:avLst/>
+            <a:gdLst/>
+            <a:ahLst/>
+            <a:cxnLst/>
+            <a:rect l="l" t="t" r="r" b="b"/>
+            <a:pathLst>
+              <a:path w="120000" h="120000" extrusionOk="0">
+                <a:moveTo>
+                  <a:pt x="0" y="0"/>
+                </a:moveTo>
+                <a:lnTo>
+                  <a:pt x="120000" y="0"/>
+                </a:lnTo>
+                <a:lnTo>
+                  <a:pt x="120000" y="120000"/>
+                </a:lnTo>
+                <a:lnTo>
+                  <a:pt x="0" y="120000"/>
+                </a:lnTo>
+                <a:close/>
+              </a:path>
+            </a:pathLst>
+          </a:custGeom>
+        </p:spPr>
+      </p:sp>
+      <p:sp>
+        <p:nvSpPr>
+          <p:cNvPr id="234" name="Google Shape;234;p:notes"/>
+          <p:cNvSpPr txBox="1">
+            <a:spLocks noGrp="1"/>
+          </p:cNvSpPr>
+          <p:nvPr>
+            <p:ph type="body" idx="1"/>
+          </p:nvPr>
+        </p:nvSpPr>
+        <p:spPr>
+          <a:xfrm>
+            <a:off x="685800" y="4343400"/>
+            <a:ext cx="5486400" cy="4114800"/>
+          </a:xfrm>
+          <a:prstGeom prst="rect">
+            <a:avLst/>
+          </a:prstGeom>
+        </p:spPr>
+        <p:txBody>
+          <a:bodyPr spcFirstLastPara="1" wrap="square" lIns="91425" tIns="91425" rIns="91425" bIns="91425" anchor="t" anchorCtr="0">
+            <a:noAutofit/>
+          </a:bodyPr>
+          <a:lstStyle/>
+          <a:p>
+            <a:pPr marL="0" lvl="0" indent="0" algn="l" rtl="0">
+              <a:spcBef>
+                <a:spcPts val="0"/>
+              </a:spcBef>
+              <a:spcAft>
+                <a:spcPts val="0"/>
+              </a:spcAft>
+              <a:buNone/>
+            </a:pPr>
+            <a:endParaRPr/>
+          </a:p>
+        </p:txBody>
+      </p:sp>
+    </p:spTree>
+    <p:extLst>
+      <p:ext uri="{BB962C8B-B14F-4D97-AF65-F5344CB8AC3E}">
+        <p14:creationId xmlns:p14="http://schemas.microsoft.com/office/powerpoint/2010/main" val="2846115361"/>
+      </p:ext>
+    </p:extLst>
+  </p:cSld>
+  <p:clrMapOvr>
+    <a:masterClrMapping/>
+  </p:clrMapOvr>
+</p:notes>
+</file>
+
+<file path=ppt/notesSlides/notesSlide11.xml><?xml version="1.0" encoding="utf-8"?>
+<p:notes xmlns:a="http://schemas.openxmlformats.org/drawingml/2006/main" xmlns:r="http://schemas.openxmlformats.org/officeDocument/2006/relationships" xmlns:p="http://schemas.openxmlformats.org/presentationml/2006/main" showMasterSp="0" showMasterPhAnim="0">
+  <p:cSld>
+    <p:spTree>
+      <p:nvGrpSpPr>
+        <p:cNvPr id="1" name="Shape 232"/>
+        <p:cNvGrpSpPr/>
+        <p:nvPr/>
+      </p:nvGrpSpPr>
+      <p:grpSpPr>
+        <a:xfrm>
+          <a:off x="0" y="0"/>
+          <a:ext cx="0" cy="0"/>
+          <a:chOff x="0" y="0"/>
+          <a:chExt cx="0" cy="0"/>
+        </a:xfrm>
+      </p:grpSpPr>
+      <p:sp>
+        <p:nvSpPr>
+          <p:cNvPr id="233" name="Google Shape;233;p:notes"/>
+          <p:cNvSpPr>
+            <a:spLocks noGrp="1" noRot="1" noChangeAspect="1"/>
+          </p:cNvSpPr>
+          <p:nvPr>
+            <p:ph type="sldImg" idx="2"/>
+          </p:nvPr>
+        </p:nvSpPr>
+        <p:spPr>
+          <a:xfrm>
+            <a:off x="381000" y="685800"/>
+            <a:ext cx="6096000" cy="3429000"/>
+          </a:xfrm>
+          <a:custGeom>
+            <a:avLst/>
+            <a:gdLst/>
+            <a:ahLst/>
+            <a:cxnLst/>
+            <a:rect l="l" t="t" r="r" b="b"/>
+            <a:pathLst>
+              <a:path w="120000" h="120000" extrusionOk="0">
+                <a:moveTo>
+                  <a:pt x="0" y="0"/>
+                </a:moveTo>
+                <a:lnTo>
+                  <a:pt x="120000" y="0"/>
+                </a:lnTo>
+                <a:lnTo>
+                  <a:pt x="120000" y="120000"/>
+                </a:lnTo>
+                <a:lnTo>
+                  <a:pt x="0" y="120000"/>
+                </a:lnTo>
+                <a:close/>
+              </a:path>
+            </a:pathLst>
+          </a:custGeom>
+        </p:spPr>
+      </p:sp>
+      <p:sp>
+        <p:nvSpPr>
+          <p:cNvPr id="234" name="Google Shape;234;p:notes"/>
+          <p:cNvSpPr txBox="1">
+            <a:spLocks noGrp="1"/>
+          </p:cNvSpPr>
+          <p:nvPr>
+            <p:ph type="body" idx="1"/>
+          </p:nvPr>
+        </p:nvSpPr>
+        <p:spPr>
+          <a:xfrm>
+            <a:off x="685800" y="4343400"/>
+            <a:ext cx="5486400" cy="4114800"/>
+          </a:xfrm>
+          <a:prstGeom prst="rect">
+            <a:avLst/>
+          </a:prstGeom>
+        </p:spPr>
+        <p:txBody>
+          <a:bodyPr spcFirstLastPara="1" wrap="square" lIns="91425" tIns="91425" rIns="91425" bIns="91425" anchor="t" anchorCtr="0">
+            <a:noAutofit/>
+          </a:bodyPr>
+          <a:lstStyle/>
+          <a:p>
+            <a:pPr marL="0" lvl="0" indent="0" algn="l" rtl="0">
+              <a:spcBef>
+                <a:spcPts val="0"/>
+              </a:spcBef>
+              <a:spcAft>
+                <a:spcPts val="0"/>
+              </a:spcAft>
+              <a:buNone/>
+            </a:pPr>
+            <a:endParaRPr/>
+          </a:p>
+        </p:txBody>
+      </p:sp>
+    </p:spTree>
+    <p:extLst>
+      <p:ext uri="{BB962C8B-B14F-4D97-AF65-F5344CB8AC3E}">
+        <p14:creationId xmlns:p14="http://schemas.microsoft.com/office/powerpoint/2010/main" val="3740908341"/>
+      </p:ext>
+    </p:extLst>
+  </p:cSld>
+  <p:clrMapOvr>
+    <a:masterClrMapping/>
+  </p:clrMapOvr>
+</p:notes>
+</file>
+
 <file path=ppt/notesSlides/notesSlide2.xml><?xml version="1.0" encoding="utf-8"?>
 <p:notes xmlns:a="http://schemas.openxmlformats.org/drawingml/2006/main" xmlns:r="http://schemas.openxmlformats.org/officeDocument/2006/relationships" xmlns:p="http://schemas.openxmlformats.org/presentationml/2006/main" showMasterSp="0" showMasterPhAnim="0">
   <p:cSld>
@@ -1455,6 +1683,224 @@
         </p:txBody>
       </p:sp>
     </p:spTree>
+  </p:cSld>
+  <p:clrMapOvr>
+    <a:masterClrMapping/>
+  </p:clrMapOvr>
+</p:notes>
+</file>
+
+<file path=ppt/notesSlides/notesSlide8.xml><?xml version="1.0" encoding="utf-8"?>
+<p:notes xmlns:a="http://schemas.openxmlformats.org/drawingml/2006/main" xmlns:r="http://schemas.openxmlformats.org/officeDocument/2006/relationships" xmlns:p="http://schemas.openxmlformats.org/presentationml/2006/main" showMasterSp="0" showMasterPhAnim="0">
+  <p:cSld>
+    <p:spTree>
+      <p:nvGrpSpPr>
+        <p:cNvPr id="1" name="Shape 232"/>
+        <p:cNvGrpSpPr/>
+        <p:nvPr/>
+      </p:nvGrpSpPr>
+      <p:grpSpPr>
+        <a:xfrm>
+          <a:off x="0" y="0"/>
+          <a:ext cx="0" cy="0"/>
+          <a:chOff x="0" y="0"/>
+          <a:chExt cx="0" cy="0"/>
+        </a:xfrm>
+      </p:grpSpPr>
+      <p:sp>
+        <p:nvSpPr>
+          <p:cNvPr id="233" name="Google Shape;233;p:notes"/>
+          <p:cNvSpPr>
+            <a:spLocks noGrp="1" noRot="1" noChangeAspect="1"/>
+          </p:cNvSpPr>
+          <p:nvPr>
+            <p:ph type="sldImg" idx="2"/>
+          </p:nvPr>
+        </p:nvSpPr>
+        <p:spPr>
+          <a:xfrm>
+            <a:off x="381000" y="685800"/>
+            <a:ext cx="6096000" cy="3429000"/>
+          </a:xfrm>
+          <a:custGeom>
+            <a:avLst/>
+            <a:gdLst/>
+            <a:ahLst/>
+            <a:cxnLst/>
+            <a:rect l="l" t="t" r="r" b="b"/>
+            <a:pathLst>
+              <a:path w="120000" h="120000" extrusionOk="0">
+                <a:moveTo>
+                  <a:pt x="0" y="0"/>
+                </a:moveTo>
+                <a:lnTo>
+                  <a:pt x="120000" y="0"/>
+                </a:lnTo>
+                <a:lnTo>
+                  <a:pt x="120000" y="120000"/>
+                </a:lnTo>
+                <a:lnTo>
+                  <a:pt x="0" y="120000"/>
+                </a:lnTo>
+                <a:close/>
+              </a:path>
+            </a:pathLst>
+          </a:custGeom>
+        </p:spPr>
+      </p:sp>
+      <p:sp>
+        <p:nvSpPr>
+          <p:cNvPr id="234" name="Google Shape;234;p:notes"/>
+          <p:cNvSpPr txBox="1">
+            <a:spLocks noGrp="1"/>
+          </p:cNvSpPr>
+          <p:nvPr>
+            <p:ph type="body" idx="1"/>
+          </p:nvPr>
+        </p:nvSpPr>
+        <p:spPr>
+          <a:xfrm>
+            <a:off x="685800" y="4343400"/>
+            <a:ext cx="5486400" cy="4114800"/>
+          </a:xfrm>
+          <a:prstGeom prst="rect">
+            <a:avLst/>
+          </a:prstGeom>
+        </p:spPr>
+        <p:txBody>
+          <a:bodyPr spcFirstLastPara="1" wrap="square" lIns="91425" tIns="91425" rIns="91425" bIns="91425" anchor="t" anchorCtr="0">
+            <a:noAutofit/>
+          </a:bodyPr>
+          <a:lstStyle/>
+          <a:p>
+            <a:pPr marL="0" lvl="0" indent="0" algn="l" rtl="0">
+              <a:spcBef>
+                <a:spcPts val="0"/>
+              </a:spcBef>
+              <a:spcAft>
+                <a:spcPts val="0"/>
+              </a:spcAft>
+              <a:buNone/>
+            </a:pPr>
+            <a:endParaRPr/>
+          </a:p>
+        </p:txBody>
+      </p:sp>
+    </p:spTree>
+    <p:extLst>
+      <p:ext uri="{BB962C8B-B14F-4D97-AF65-F5344CB8AC3E}">
+        <p14:creationId xmlns:p14="http://schemas.microsoft.com/office/powerpoint/2010/main" val="3226514984"/>
+      </p:ext>
+    </p:extLst>
+  </p:cSld>
+  <p:clrMapOvr>
+    <a:masterClrMapping/>
+  </p:clrMapOvr>
+</p:notes>
+</file>
+
+<file path=ppt/notesSlides/notesSlide9.xml><?xml version="1.0" encoding="utf-8"?>
+<p:notes xmlns:a="http://schemas.openxmlformats.org/drawingml/2006/main" xmlns:r="http://schemas.openxmlformats.org/officeDocument/2006/relationships" xmlns:p="http://schemas.openxmlformats.org/presentationml/2006/main" showMasterSp="0" showMasterPhAnim="0">
+  <p:cSld>
+    <p:spTree>
+      <p:nvGrpSpPr>
+        <p:cNvPr id="1" name="Shape 232"/>
+        <p:cNvGrpSpPr/>
+        <p:nvPr/>
+      </p:nvGrpSpPr>
+      <p:grpSpPr>
+        <a:xfrm>
+          <a:off x="0" y="0"/>
+          <a:ext cx="0" cy="0"/>
+          <a:chOff x="0" y="0"/>
+          <a:chExt cx="0" cy="0"/>
+        </a:xfrm>
+      </p:grpSpPr>
+      <p:sp>
+        <p:nvSpPr>
+          <p:cNvPr id="233" name="Google Shape;233;p:notes"/>
+          <p:cNvSpPr>
+            <a:spLocks noGrp="1" noRot="1" noChangeAspect="1"/>
+          </p:cNvSpPr>
+          <p:nvPr>
+            <p:ph type="sldImg" idx="2"/>
+          </p:nvPr>
+        </p:nvSpPr>
+        <p:spPr>
+          <a:xfrm>
+            <a:off x="381000" y="685800"/>
+            <a:ext cx="6096000" cy="3429000"/>
+          </a:xfrm>
+          <a:custGeom>
+            <a:avLst/>
+            <a:gdLst/>
+            <a:ahLst/>
+            <a:cxnLst/>
+            <a:rect l="l" t="t" r="r" b="b"/>
+            <a:pathLst>
+              <a:path w="120000" h="120000" extrusionOk="0">
+                <a:moveTo>
+                  <a:pt x="0" y="0"/>
+                </a:moveTo>
+                <a:lnTo>
+                  <a:pt x="120000" y="0"/>
+                </a:lnTo>
+                <a:lnTo>
+                  <a:pt x="120000" y="120000"/>
+                </a:lnTo>
+                <a:lnTo>
+                  <a:pt x="0" y="120000"/>
+                </a:lnTo>
+                <a:close/>
+              </a:path>
+            </a:pathLst>
+          </a:custGeom>
+        </p:spPr>
+      </p:sp>
+      <p:sp>
+        <p:nvSpPr>
+          <p:cNvPr id="234" name="Google Shape;234;p:notes"/>
+          <p:cNvSpPr txBox="1">
+            <a:spLocks noGrp="1"/>
+          </p:cNvSpPr>
+          <p:nvPr>
+            <p:ph type="body" idx="1"/>
+          </p:nvPr>
+        </p:nvSpPr>
+        <p:spPr>
+          <a:xfrm>
+            <a:off x="685800" y="4343400"/>
+            <a:ext cx="5486400" cy="4114800"/>
+          </a:xfrm>
+          <a:prstGeom prst="rect">
+            <a:avLst/>
+          </a:prstGeom>
+        </p:spPr>
+        <p:txBody>
+          <a:bodyPr spcFirstLastPara="1" wrap="square" lIns="91425" tIns="91425" rIns="91425" bIns="91425" anchor="t" anchorCtr="0">
+            <a:noAutofit/>
+          </a:bodyPr>
+          <a:lstStyle/>
+          <a:p>
+            <a:pPr marL="0" lvl="0" indent="0" algn="l" rtl="0">
+              <a:spcBef>
+                <a:spcPts val="0"/>
+              </a:spcBef>
+              <a:spcAft>
+                <a:spcPts val="0"/>
+              </a:spcAft>
+              <a:buNone/>
+            </a:pPr>
+            <a:endParaRPr/>
+          </a:p>
+        </p:txBody>
+      </p:sp>
+    </p:spTree>
+    <p:extLst>
+      <p:ext uri="{BB962C8B-B14F-4D97-AF65-F5344CB8AC3E}">
+        <p14:creationId xmlns:p14="http://schemas.microsoft.com/office/powerpoint/2010/main" val="1889627850"/>
+      </p:ext>
+    </p:extLst>
   </p:cSld>
   <p:clrMapOvr>
     <a:masterClrMapping/>
@@ -10210,7 +10656,7 @@
         <p:spPr>
           <a:xfrm>
             <a:off x="-629729" y="1942608"/>
-            <a:ext cx="7955824" cy="2174740"/>
+            <a:ext cx="7955824" cy="1746890"/>
           </a:xfrm>
           <a:prstGeom prst="rect">
             <a:avLst/>
@@ -10231,8 +10677,26 @@
               </a:spcBef>
             </a:pPr>
             <a:r>
+              <a:rPr lang="en-US" sz="2000" dirty="0">
+                <a:solidFill>
+                  <a:schemeClr val="bg1"/>
+                </a:solidFill>
+              </a:rPr>
+              <a:t>Group Members</a:t>
+            </a:r>
+            <a:br>
               <a:rPr lang="en-US" sz="2000" b="0" dirty="0"/>
-              <a:t> Syed Hashir Hussain   2021-CS-1</a:t>
+            </a:br>
+            <a:r>
+              <a:rPr lang="en-US" sz="2000" b="0" dirty="0"/>
+              <a:t> </a:t>
+            </a:r>
+            <a:br>
+              <a:rPr lang="en-US" sz="2000" b="0" dirty="0"/>
+            </a:br>
+            <a:r>
+              <a:rPr lang="en-US" sz="2000" b="0" dirty="0"/>
+              <a:t>Syed Hashir Hussain   2021-CS-1</a:t>
             </a:r>
             <a:endParaRPr lang="en-US" dirty="0"/>
           </a:p>
@@ -10263,29 +10727,6 @@
               <a:rPr lang="en-US" sz="2000" b="0" dirty="0"/>
               <a:t>   M. Hammad Hassan   2021-CS-33</a:t>
             </a:r>
-          </a:p>
-          <a:p>
-            <a:pPr algn="ctr">
-              <a:lnSpc>
-                <a:spcPct val="90000"/>
-              </a:lnSpc>
-              <a:spcBef>
-                <a:spcPts val="1000"/>
-              </a:spcBef>
-            </a:pPr>
-            <a:r>
-              <a:rPr lang="en-US" sz="2000" dirty="0">
-                <a:solidFill>
-                  <a:schemeClr val="bg1"/>
-                </a:solidFill>
-              </a:rPr>
-              <a:t>Group Members</a:t>
-            </a:r>
-            <a:endParaRPr lang="en-US" sz="2000">
-              <a:solidFill>
-                <a:schemeClr val="bg1"/>
-              </a:solidFill>
-            </a:endParaRPr>
           </a:p>
         </p:txBody>
       </p:sp>
@@ -10305,8 +10746,8 @@
         </p:nvSpPr>
         <p:spPr>
           <a:xfrm>
-            <a:off x="-725338" y="1814651"/>
-            <a:ext cx="7955824" cy="751381"/>
+            <a:off x="-725338" y="1942608"/>
+            <a:ext cx="7955824" cy="300862"/>
           </a:xfrm>
           <a:prstGeom prst="rect">
             <a:avLst/>
@@ -10587,7 +11028,7 @@
               <a:rPr lang="en-US" sz="2000" b="0" dirty="0"/>
               <a:t> </a:t>
             </a:r>
-            <a:endParaRPr lang="en-US"/>
+            <a:endParaRPr lang="en-US" dirty="0"/>
           </a:p>
           <a:p>
             <a:pPr algn="ctr">
@@ -10598,7 +11039,7 @@
                 <a:spcPts val="1000"/>
               </a:spcBef>
             </a:pPr>
-            <a:endParaRPr lang="en-US">
+            <a:endParaRPr lang="en-US" dirty="0">
               <a:solidFill>
                 <a:schemeClr val="bg1"/>
               </a:solidFill>
@@ -10615,225 +11056,6 @@
 </file>
 
 <file path=ppt/slides/slide10.xml><?xml version="1.0" encoding="utf-8"?>
-<p:sld xmlns:a="http://schemas.openxmlformats.org/drawingml/2006/main" xmlns:r="http://schemas.openxmlformats.org/officeDocument/2006/relationships" xmlns:p="http://schemas.openxmlformats.org/presentationml/2006/main">
-  <p:cSld>
-    <p:spTree>
-      <p:nvGrpSpPr>
-        <p:cNvPr id="1" name=""/>
-        <p:cNvGrpSpPr/>
-        <p:nvPr/>
-      </p:nvGrpSpPr>
-      <p:grpSpPr>
-        <a:xfrm>
-          <a:off x="0" y="0"/>
-          <a:ext cx="0" cy="0"/>
-          <a:chOff x="0" y="0"/>
-          <a:chExt cx="0" cy="0"/>
-        </a:xfrm>
-      </p:grpSpPr>
-      <p:sp>
-        <p:nvSpPr>
-          <p:cNvPr id="3" name="Text Placeholder 2">
-            <a:extLst>
-              <a:ext uri="{FF2B5EF4-FFF2-40B4-BE49-F238E27FC236}">
-                <a16:creationId xmlns:a16="http://schemas.microsoft.com/office/drawing/2014/main" id="{321151C3-4BC5-805B-AA26-4C8FB664F192}"/>
-              </a:ext>
-            </a:extLst>
-          </p:cNvPr>
-          <p:cNvSpPr>
-            <a:spLocks noGrp="1"/>
-          </p:cNvSpPr>
-          <p:nvPr>
-            <p:ph type="body" idx="1"/>
-          </p:nvPr>
-        </p:nvSpPr>
-        <p:spPr>
-          <a:xfrm>
-            <a:off x="781926" y="1440941"/>
-            <a:ext cx="3626309" cy="384385"/>
-          </a:xfrm>
-        </p:spPr>
-        <p:txBody>
-          <a:bodyPr/>
-          <a:lstStyle/>
-          <a:p>
-            <a:pPr marL="101600" indent="0">
-              <a:buNone/>
-            </a:pPr>
-            <a:r>
-              <a:rPr lang="en-US" sz="2400" b="1" dirty="0">
-                <a:latin typeface="Times New Roman"/>
-              </a:rPr>
-              <a:t>User Interfaces</a:t>
-            </a:r>
-          </a:p>
-        </p:txBody>
-      </p:sp>
-      <p:sp>
-        <p:nvSpPr>
-          <p:cNvPr id="5" name="Slide Number Placeholder 4">
-            <a:extLst>
-              <a:ext uri="{FF2B5EF4-FFF2-40B4-BE49-F238E27FC236}">
-                <a16:creationId xmlns:a16="http://schemas.microsoft.com/office/drawing/2014/main" id="{89923B3B-5A74-0CE3-F8B3-2408ED593B15}"/>
-              </a:ext>
-            </a:extLst>
-          </p:cNvPr>
-          <p:cNvSpPr>
-            <a:spLocks noGrp="1"/>
-          </p:cNvSpPr>
-          <p:nvPr>
-            <p:ph type="sldNum" idx="12"/>
-          </p:nvPr>
-        </p:nvSpPr>
-        <p:spPr>
-          <a:xfrm>
-            <a:off x="7585651" y="4701198"/>
-            <a:ext cx="1487400" cy="315600"/>
-          </a:xfrm>
-        </p:spPr>
-        <p:txBody>
-          <a:bodyPr/>
-          <a:lstStyle/>
-          <a:p>
-            <a:pPr marL="0" lvl="0" indent="0" algn="r" rtl="0">
-              <a:spcBef>
-                <a:spcPts val="0"/>
-              </a:spcBef>
-              <a:spcAft>
-                <a:spcPts val="0"/>
-              </a:spcAft>
-              <a:buNone/>
-            </a:pPr>
-            <a:fld id="{00000000-1234-1234-1234-123412341234}" type="slidenum">
-              <a:rPr lang="en"/>
-              <a:t>10</a:t>
-            </a:fld>
-            <a:endParaRPr lang="en"/>
-          </a:p>
-        </p:txBody>
-      </p:sp>
-      <p:sp>
-        <p:nvSpPr>
-          <p:cNvPr id="6" name="TextBox 5">
-            <a:extLst>
-              <a:ext uri="{FF2B5EF4-FFF2-40B4-BE49-F238E27FC236}">
-                <a16:creationId xmlns:a16="http://schemas.microsoft.com/office/drawing/2014/main" id="{0F659AA9-A781-E527-8A47-BECCA1113491}"/>
-              </a:ext>
-            </a:extLst>
-          </p:cNvPr>
-          <p:cNvSpPr txBox="1"/>
-          <p:nvPr/>
-        </p:nvSpPr>
-        <p:spPr>
-          <a:xfrm>
-            <a:off x="935966" y="553169"/>
-            <a:ext cx="5762445" cy="1200329"/>
-          </a:xfrm>
-          <a:prstGeom prst="rect">
-            <a:avLst/>
-          </a:prstGeom>
-          <a:noFill/>
-        </p:spPr>
-        <p:txBody>
-          <a:bodyPr rot="0" spcFirstLastPara="0" vertOverflow="overflow" horzOverflow="overflow" vert="horz" wrap="square" lIns="91440" tIns="45720" rIns="91440" bIns="45720" numCol="1" spcCol="0" rtlCol="0" fromWordArt="0" anchor="t" anchorCtr="0" forceAA="0" compatLnSpc="1">
-            <a:prstTxWarp prst="textNoShape">
-              <a:avLst/>
-            </a:prstTxWarp>
-            <a:spAutoFit/>
-          </a:bodyPr>
-          <a:lstStyle/>
-          <a:p>
-            <a:r>
-              <a:rPr lang="en-US" sz="2400" b="1" dirty="0">
-                <a:solidFill>
-                  <a:srgbClr val="FFFFFF"/>
-                </a:solidFill>
-                <a:latin typeface="Roboto Condensed"/>
-                <a:cs typeface="Segoe UI"/>
-              </a:rPr>
-              <a:t>Merchant Monetary System</a:t>
-            </a:r>
-            <a:r>
-              <a:rPr lang="en-US" sz="2400" dirty="0">
-                <a:solidFill>
-                  <a:srgbClr val="263248"/>
-                </a:solidFill>
-                <a:latin typeface="Roboto Condensed"/>
-                <a:cs typeface="Segoe UI"/>
-              </a:rPr>
-              <a:t>​</a:t>
-            </a:r>
-          </a:p>
-          <a:p>
-            <a:r>
-              <a:rPr lang="en-US" sz="2400" dirty="0">
-                <a:solidFill>
-                  <a:srgbClr val="263248"/>
-                </a:solidFill>
-                <a:latin typeface="Roboto Condensed"/>
-                <a:cs typeface="Segoe UI"/>
-              </a:rPr>
-              <a:t>​</a:t>
-            </a:r>
-          </a:p>
-          <a:p>
-            <a:r>
-              <a:rPr lang="en-US" sz="2400" dirty="0">
-                <a:solidFill>
-                  <a:srgbClr val="263248"/>
-                </a:solidFill>
-                <a:latin typeface="Roboto Condensed"/>
-                <a:cs typeface="Segoe UI"/>
-              </a:rPr>
-              <a:t>​</a:t>
-            </a:r>
-          </a:p>
-        </p:txBody>
-      </p:sp>
-      <p:pic>
-        <p:nvPicPr>
-          <p:cNvPr id="7" name="Picture 7" descr="Graphical user interface, application&#10;&#10;Description automatically generated">
-            <a:extLst>
-              <a:ext uri="{FF2B5EF4-FFF2-40B4-BE49-F238E27FC236}">
-                <a16:creationId xmlns:a16="http://schemas.microsoft.com/office/drawing/2014/main" id="{023265F4-CE73-21C4-7B13-6D34A8FB7803}"/>
-              </a:ext>
-            </a:extLst>
-          </p:cNvPr>
-          <p:cNvPicPr>
-            <a:picLocks noChangeAspect="1"/>
-          </p:cNvPicPr>
-          <p:nvPr/>
-        </p:nvPicPr>
-        <p:blipFill>
-          <a:blip r:embed="rId2"/>
-          <a:stretch>
-            <a:fillRect/>
-          </a:stretch>
-        </p:blipFill>
-        <p:spPr>
-          <a:xfrm>
-            <a:off x="882052" y="1881692"/>
-            <a:ext cx="6463340" cy="2771124"/>
-          </a:xfrm>
-          <a:prstGeom prst="rect">
-            <a:avLst/>
-          </a:prstGeom>
-        </p:spPr>
-      </p:pic>
-    </p:spTree>
-    <p:extLst>
-      <p:ext uri="{BB962C8B-B14F-4D97-AF65-F5344CB8AC3E}">
-        <p14:creationId xmlns:p14="http://schemas.microsoft.com/office/powerpoint/2010/main" val="871194872"/>
-      </p:ext>
-    </p:extLst>
-  </p:cSld>
-  <p:clrMapOvr>
-    <a:masterClrMapping/>
-  </p:clrMapOvr>
-</p:sld>
-</file>
-
-<file path=ppt/slides/slide11.xml><?xml version="1.0" encoding="utf-8"?>
 <p:sld xmlns:a="http://schemas.openxmlformats.org/drawingml/2006/main" xmlns:r="http://schemas.openxmlformats.org/officeDocument/2006/relationships" xmlns:p="http://schemas.openxmlformats.org/presentationml/2006/main">
   <p:cSld>
     <p:spTree>
@@ -10914,7 +11136,7 @@
             </a:pPr>
             <a:fld id="{00000000-1234-1234-1234-123412341234}" type="slidenum">
               <a:rPr lang="en"/>
-              <a:t>11</a:t>
+              <a:t>10</a:t>
             </a:fld>
             <a:endParaRPr lang="en"/>
           </a:p>
@@ -10936,7 +11158,7 @@
         </p:nvSpPr>
         <p:spPr>
           <a:xfrm>
-            <a:off x="-227177" y="130636"/>
+            <a:off x="-290970" y="130636"/>
             <a:ext cx="2370323" cy="240119"/>
           </a:xfrm>
           <a:prstGeom prst="rect">
@@ -11300,7 +11522,7 @@
 </p:sld>
 </file>
 
-<file path=ppt/slides/slide12.xml><?xml version="1.0" encoding="utf-8"?>
+<file path=ppt/slides/slide11.xml><?xml version="1.0" encoding="utf-8"?>
 <p:sld xmlns:a="http://schemas.openxmlformats.org/drawingml/2006/main" xmlns:r="http://schemas.openxmlformats.org/officeDocument/2006/relationships" xmlns:p="http://schemas.openxmlformats.org/presentationml/2006/main">
   <p:cSld>
     <p:spTree>
@@ -11349,7 +11571,7 @@
             </a:pPr>
             <a:fld id="{00000000-1234-1234-1234-123412341234}" type="slidenum">
               <a:rPr lang="en"/>
-              <a:t>12</a:t>
+              <a:t>11</a:t>
             </a:fld>
             <a:endParaRPr lang="en"/>
           </a:p>
@@ -11371,7 +11593,7 @@
         </p:nvSpPr>
         <p:spPr>
           <a:xfrm>
-            <a:off x="-227177" y="130636"/>
+            <a:off x="-269709" y="130636"/>
             <a:ext cx="2370323" cy="240119"/>
           </a:xfrm>
           <a:prstGeom prst="rect">
@@ -11742,7 +11964,7 @@
 </p:sld>
 </file>
 
-<file path=ppt/slides/slide13.xml><?xml version="1.0" encoding="utf-8"?>
+<file path=ppt/slides/slide12.xml><?xml version="1.0" encoding="utf-8"?>
 <p:sld xmlns:a="http://schemas.openxmlformats.org/drawingml/2006/main" xmlns:r="http://schemas.openxmlformats.org/officeDocument/2006/relationships" xmlns:p="http://schemas.openxmlformats.org/presentationml/2006/main">
   <p:cSld>
     <p:spTree>
@@ -11791,7 +12013,7 @@
             </a:pPr>
             <a:fld id="{00000000-1234-1234-1234-123412341234}" type="slidenum">
               <a:rPr lang="en"/>
-              <a:t>13</a:t>
+              <a:t>12</a:t>
             </a:fld>
             <a:endParaRPr lang="en"/>
           </a:p>
@@ -12103,7 +12325,7 @@
         </p:nvSpPr>
         <p:spPr>
           <a:xfrm>
-            <a:off x="-227177" y="130636"/>
+            <a:off x="-280342" y="130636"/>
             <a:ext cx="2370323" cy="240119"/>
           </a:xfrm>
           <a:prstGeom prst="rect">
@@ -12467,7 +12689,7 @@
 </p:sld>
 </file>
 
-<file path=ppt/slides/slide14.xml><?xml version="1.0" encoding="utf-8"?>
+<file path=ppt/slides/slide13.xml><?xml version="1.0" encoding="utf-8"?>
 <p:sld xmlns:a="http://schemas.openxmlformats.org/drawingml/2006/main" xmlns:r="http://schemas.openxmlformats.org/officeDocument/2006/relationships" xmlns:p="http://schemas.openxmlformats.org/presentationml/2006/main">
   <p:cSld>
     <p:spTree>
@@ -12516,7 +12738,7 @@
             </a:pPr>
             <a:fld id="{00000000-1234-1234-1234-123412341234}" type="slidenum">
               <a:rPr lang="en"/>
-              <a:t>14</a:t>
+              <a:t>13</a:t>
             </a:fld>
             <a:endParaRPr lang="en"/>
           </a:p>
@@ -12828,7 +13050,7 @@
         </p:nvSpPr>
         <p:spPr>
           <a:xfrm>
-            <a:off x="-227177" y="130636"/>
+            <a:off x="-269709" y="130636"/>
             <a:ext cx="2370323" cy="240119"/>
           </a:xfrm>
           <a:prstGeom prst="rect">
@@ -13192,7 +13414,7 @@
 </p:sld>
 </file>
 
-<file path=ppt/slides/slide15.xml><?xml version="1.0" encoding="utf-8"?>
+<file path=ppt/slides/slide14.xml><?xml version="1.0" encoding="utf-8"?>
 <p:sld xmlns:a="http://schemas.openxmlformats.org/drawingml/2006/main" xmlns:r="http://schemas.openxmlformats.org/officeDocument/2006/relationships" xmlns:p="http://schemas.openxmlformats.org/presentationml/2006/main">
   <p:cSld>
     <p:spTree>
@@ -13241,7 +13463,7 @@
             </a:pPr>
             <a:fld id="{00000000-1234-1234-1234-123412341234}" type="slidenum">
               <a:rPr lang="en"/>
-              <a:t>15</a:t>
+              <a:t>14</a:t>
             </a:fld>
             <a:endParaRPr lang="en"/>
           </a:p>
@@ -13553,7 +13775,7 @@
         </p:nvSpPr>
         <p:spPr>
           <a:xfrm>
-            <a:off x="-227177" y="130636"/>
+            <a:off x="-280342" y="130636"/>
             <a:ext cx="2370323" cy="240119"/>
           </a:xfrm>
           <a:prstGeom prst="rect">
@@ -13887,7 +14109,7 @@
 </p:sld>
 </file>
 
-<file path=ppt/slides/slide16.xml><?xml version="1.0" encoding="utf-8"?>
+<file path=ppt/slides/slide15.xml><?xml version="1.0" encoding="utf-8"?>
 <p:sld xmlns:a="http://schemas.openxmlformats.org/drawingml/2006/main" xmlns:r="http://schemas.openxmlformats.org/officeDocument/2006/relationships" xmlns:p="http://schemas.openxmlformats.org/presentationml/2006/main">
   <p:cSld>
     <p:spTree>
@@ -13941,7 +14163,7 @@
             </a:pPr>
             <a:fld id="{00000000-1234-1234-1234-123412341234}" type="slidenum">
               <a:rPr lang="en"/>
-              <a:t>16</a:t>
+              <a:t>15</a:t>
             </a:fld>
             <a:endParaRPr lang="en"/>
           </a:p>
@@ -14253,7 +14475,7 @@
         </p:nvSpPr>
         <p:spPr>
           <a:xfrm>
-            <a:off x="-227177" y="130636"/>
+            <a:off x="-280342" y="130636"/>
             <a:ext cx="2370323" cy="240119"/>
           </a:xfrm>
           <a:prstGeom prst="rect">
@@ -14587,7 +14809,7 @@
 </p:sld>
 </file>
 
-<file path=ppt/slides/slide17.xml><?xml version="1.0" encoding="utf-8"?>
+<file path=ppt/slides/slide16.xml><?xml version="1.0" encoding="utf-8"?>
 <p:sld xmlns:a="http://schemas.openxmlformats.org/drawingml/2006/main" xmlns:r="http://schemas.openxmlformats.org/officeDocument/2006/relationships" xmlns:p="http://schemas.openxmlformats.org/presentationml/2006/main">
   <p:cSld>
     <p:spTree>
@@ -14641,7 +14863,7 @@
             </a:pPr>
             <a:fld id="{00000000-1234-1234-1234-123412341234}" type="slidenum">
               <a:rPr lang="en"/>
-              <a:t>17</a:t>
+              <a:t>16</a:t>
             </a:fld>
             <a:endParaRPr lang="en"/>
           </a:p>
@@ -14953,7 +15175,7 @@
         </p:nvSpPr>
         <p:spPr>
           <a:xfrm>
-            <a:off x="-227177" y="130636"/>
+            <a:off x="-280342" y="130636"/>
             <a:ext cx="2370323" cy="240119"/>
           </a:xfrm>
           <a:prstGeom prst="rect">
@@ -15317,7 +15539,7 @@
 </p:sld>
 </file>
 
-<file path=ppt/slides/slide18.xml><?xml version="1.0" encoding="utf-8"?>
+<file path=ppt/slides/slide17.xml><?xml version="1.0" encoding="utf-8"?>
 <p:sld xmlns:a="http://schemas.openxmlformats.org/drawingml/2006/main" xmlns:r="http://schemas.openxmlformats.org/officeDocument/2006/relationships" xmlns:p="http://schemas.openxmlformats.org/presentationml/2006/main">
   <p:cSld>
     <p:spTree>
@@ -15371,7 +15593,7 @@
             </a:pPr>
             <a:fld id="{00000000-1234-1234-1234-123412341234}" type="slidenum">
               <a:rPr lang="en"/>
-              <a:t>18</a:t>
+              <a:t>17</a:t>
             </a:fld>
             <a:endParaRPr lang="en"/>
           </a:p>
@@ -15683,7 +15905,7 @@
         </p:nvSpPr>
         <p:spPr>
           <a:xfrm>
-            <a:off x="-227177" y="130636"/>
+            <a:off x="-269709" y="130636"/>
             <a:ext cx="2370323" cy="240119"/>
           </a:xfrm>
           <a:prstGeom prst="rect">
@@ -16017,7 +16239,7 @@
 </p:sld>
 </file>
 
-<file path=ppt/slides/slide19.xml><?xml version="1.0" encoding="utf-8"?>
+<file path=ppt/slides/slide18.xml><?xml version="1.0" encoding="utf-8"?>
 <p:sld xmlns:a="http://schemas.openxmlformats.org/drawingml/2006/main" xmlns:r="http://schemas.openxmlformats.org/officeDocument/2006/relationships" xmlns:p="http://schemas.openxmlformats.org/presentationml/2006/main">
   <p:cSld>
     <p:spTree>
@@ -16071,7 +16293,7 @@
             </a:pPr>
             <a:fld id="{00000000-1234-1234-1234-123412341234}" type="slidenum">
               <a:rPr lang="en"/>
-              <a:t>19</a:t>
+              <a:t>18</a:t>
             </a:fld>
             <a:endParaRPr lang="en"/>
           </a:p>
@@ -16388,7 +16610,7 @@
         </p:nvSpPr>
         <p:spPr>
           <a:xfrm>
-            <a:off x="-227177" y="130636"/>
+            <a:off x="-269709" y="130636"/>
             <a:ext cx="2370323" cy="240119"/>
           </a:xfrm>
           <a:prstGeom prst="rect">
@@ -16743,6 +16965,461 @@
     <p:extLst>
       <p:ext uri="{BB962C8B-B14F-4D97-AF65-F5344CB8AC3E}">
         <p14:creationId xmlns:p14="http://schemas.microsoft.com/office/powerpoint/2010/main" val="3944036652"/>
+      </p:ext>
+    </p:extLst>
+  </p:cSld>
+  <p:clrMapOvr>
+    <a:masterClrMapping/>
+  </p:clrMapOvr>
+</p:sld>
+</file>
+
+<file path=ppt/slides/slide19.xml><?xml version="1.0" encoding="utf-8"?>
+<p:sld xmlns:a="http://schemas.openxmlformats.org/drawingml/2006/main" xmlns:r="http://schemas.openxmlformats.org/officeDocument/2006/relationships" xmlns:p="http://schemas.openxmlformats.org/presentationml/2006/main">
+  <p:cSld>
+    <p:spTree>
+      <p:nvGrpSpPr>
+        <p:cNvPr id="1" name="Shape 235"/>
+        <p:cNvGrpSpPr/>
+        <p:nvPr/>
+      </p:nvGrpSpPr>
+      <p:grpSpPr>
+        <a:xfrm>
+          <a:off x="0" y="0"/>
+          <a:ext cx="0" cy="0"/>
+          <a:chOff x="0" y="0"/>
+          <a:chExt cx="0" cy="0"/>
+        </a:xfrm>
+      </p:grpSpPr>
+      <p:sp>
+        <p:nvSpPr>
+          <p:cNvPr id="236" name="Google Shape;236;p16"/>
+          <p:cNvSpPr txBox="1">
+            <a:spLocks noGrp="1"/>
+          </p:cNvSpPr>
+          <p:nvPr>
+            <p:ph type="title"/>
+          </p:nvPr>
+        </p:nvSpPr>
+        <p:spPr>
+          <a:xfrm>
+            <a:off x="749577" y="521971"/>
+            <a:ext cx="5492400" cy="766200"/>
+          </a:xfrm>
+          <a:prstGeom prst="rect">
+            <a:avLst/>
+          </a:prstGeom>
+        </p:spPr>
+        <p:txBody>
+          <a:bodyPr spcFirstLastPara="1" wrap="square" lIns="91425" tIns="91425" rIns="91425" bIns="91425" anchor="ctr" anchorCtr="0">
+            <a:noAutofit/>
+          </a:bodyPr>
+          <a:lstStyle/>
+          <a:p>
+            <a:r>
+              <a:rPr lang="en" sz="2800" dirty="0"/>
+              <a:t>Merchant Monetary System</a:t>
+            </a:r>
+            <a:endParaRPr lang="en" sz="2800" b="0"/>
+          </a:p>
+          <a:p>
+            <a:pPr marL="0" lvl="0" indent="0" algn="l">
+              <a:spcBef>
+                <a:spcPts val="0"/>
+              </a:spcBef>
+              <a:spcAft>
+                <a:spcPts val="0"/>
+              </a:spcAft>
+              <a:buNone/>
+            </a:pPr>
+            <a:endParaRPr lang="en" sz="2800" dirty="0"/>
+          </a:p>
+        </p:txBody>
+      </p:sp>
+      <p:sp>
+        <p:nvSpPr>
+          <p:cNvPr id="238" name="Google Shape;238;p16"/>
+          <p:cNvSpPr txBox="1">
+            <a:spLocks noGrp="1"/>
+          </p:cNvSpPr>
+          <p:nvPr>
+            <p:ph type="sldNum" idx="12"/>
+          </p:nvPr>
+        </p:nvSpPr>
+        <p:spPr>
+          <a:xfrm>
+            <a:off x="7618000" y="4636500"/>
+            <a:ext cx="1487400" cy="315600"/>
+          </a:xfrm>
+          <a:prstGeom prst="rect">
+            <a:avLst/>
+          </a:prstGeom>
+        </p:spPr>
+        <p:txBody>
+          <a:bodyPr spcFirstLastPara="1" wrap="square" lIns="91425" tIns="91425" rIns="91425" bIns="91425" anchor="ctr" anchorCtr="0">
+            <a:noAutofit/>
+          </a:bodyPr>
+          <a:lstStyle/>
+          <a:p>
+            <a:pPr marL="0" lvl="0" indent="0" algn="r" rtl="0">
+              <a:spcBef>
+                <a:spcPts val="0"/>
+              </a:spcBef>
+              <a:spcAft>
+                <a:spcPts val="0"/>
+              </a:spcAft>
+              <a:buNone/>
+            </a:pPr>
+            <a:fld id="{00000000-1234-1234-1234-123412341234}" type="slidenum">
+              <a:rPr lang="en"/>
+              <a:t>19</a:t>
+            </a:fld>
+            <a:endParaRPr/>
+          </a:p>
+        </p:txBody>
+      </p:sp>
+      <p:sp>
+        <p:nvSpPr>
+          <p:cNvPr id="3" name="Google Shape;237;p16">
+            <a:extLst>
+              <a:ext uri="{FF2B5EF4-FFF2-40B4-BE49-F238E27FC236}">
+                <a16:creationId xmlns:a16="http://schemas.microsoft.com/office/drawing/2014/main" id="{7C3A3A3A-0852-D43C-0CFA-CC88495D1EC1}"/>
+              </a:ext>
+            </a:extLst>
+          </p:cNvPr>
+          <p:cNvSpPr txBox="1">
+            <a:spLocks/>
+          </p:cNvSpPr>
+          <p:nvPr/>
+        </p:nvSpPr>
+        <p:spPr>
+          <a:xfrm>
+            <a:off x="749577" y="1560371"/>
+            <a:ext cx="6132600" cy="2182289"/>
+          </a:xfrm>
+          <a:prstGeom prst="rect">
+            <a:avLst/>
+          </a:prstGeom>
+          <a:noFill/>
+          <a:ln>
+            <a:noFill/>
+          </a:ln>
+        </p:spPr>
+        <p:txBody>
+          <a:bodyPr spcFirstLastPara="1" wrap="square" lIns="91425" tIns="91425" rIns="91425" bIns="91425" anchor="ctr" anchorCtr="0">
+            <a:noAutofit/>
+          </a:bodyPr>
+          <a:lstStyle>
+            <a:defPPr marR="0" lvl="0" algn="l" rtl="0">
+              <a:lnSpc>
+                <a:spcPct val="100000"/>
+              </a:lnSpc>
+              <a:spcBef>
+                <a:spcPts val="0"/>
+              </a:spcBef>
+              <a:spcAft>
+                <a:spcPts val="0"/>
+              </a:spcAft>
+            </a:defPPr>
+            <a:lvl1pPr marL="457200" marR="0" lvl="0" indent="-381000" algn="l" rtl="0">
+              <a:lnSpc>
+                <a:spcPct val="100000"/>
+              </a:lnSpc>
+              <a:spcBef>
+                <a:spcPts val="600"/>
+              </a:spcBef>
+              <a:spcAft>
+                <a:spcPts val="0"/>
+              </a:spcAft>
+              <a:buClr>
+                <a:schemeClr val="accent4"/>
+              </a:buClr>
+              <a:buSzPts val="2400"/>
+              <a:buFont typeface="Roboto Condensed Light"/>
+              <a:buChar char="▰"/>
+              <a:defRPr sz="2400" b="0" i="0" u="none" strike="noStrike" cap="none">
+                <a:solidFill>
+                  <a:schemeClr val="dk1"/>
+                </a:solidFill>
+                <a:latin typeface="Roboto Condensed Light"/>
+                <a:ea typeface="Roboto Condensed Light"/>
+                <a:cs typeface="Roboto Condensed Light"/>
+                <a:sym typeface="Roboto Condensed Light"/>
+              </a:defRPr>
+            </a:lvl1pPr>
+            <a:lvl2pPr marL="914400" marR="0" lvl="1" indent="-381000" algn="l" rtl="0">
+              <a:lnSpc>
+                <a:spcPct val="100000"/>
+              </a:lnSpc>
+              <a:spcBef>
+                <a:spcPts val="1000"/>
+              </a:spcBef>
+              <a:spcAft>
+                <a:spcPts val="0"/>
+              </a:spcAft>
+              <a:buClr>
+                <a:schemeClr val="accent4"/>
+              </a:buClr>
+              <a:buSzPts val="2400"/>
+              <a:buFont typeface="Roboto Condensed Light"/>
+              <a:buChar char="▻"/>
+              <a:defRPr sz="2400" b="0" i="0" u="none" strike="noStrike" cap="none">
+                <a:solidFill>
+                  <a:schemeClr val="dk1"/>
+                </a:solidFill>
+                <a:latin typeface="Roboto Condensed Light"/>
+                <a:ea typeface="Roboto Condensed Light"/>
+                <a:cs typeface="Roboto Condensed Light"/>
+                <a:sym typeface="Roboto Condensed Light"/>
+              </a:defRPr>
+            </a:lvl2pPr>
+            <a:lvl3pPr marL="1371600" marR="0" lvl="2" indent="-381000" algn="l" rtl="0">
+              <a:lnSpc>
+                <a:spcPct val="100000"/>
+              </a:lnSpc>
+              <a:spcBef>
+                <a:spcPts val="1000"/>
+              </a:spcBef>
+              <a:spcAft>
+                <a:spcPts val="0"/>
+              </a:spcAft>
+              <a:buClr>
+                <a:schemeClr val="accent4"/>
+              </a:buClr>
+              <a:buSzPts val="2400"/>
+              <a:buFont typeface="Roboto Condensed Light"/>
+              <a:buChar char="▻"/>
+              <a:defRPr sz="2400" b="0" i="0" u="none" strike="noStrike" cap="none">
+                <a:solidFill>
+                  <a:schemeClr val="dk1"/>
+                </a:solidFill>
+                <a:latin typeface="Roboto Condensed Light"/>
+                <a:ea typeface="Roboto Condensed Light"/>
+                <a:cs typeface="Roboto Condensed Light"/>
+                <a:sym typeface="Roboto Condensed Light"/>
+              </a:defRPr>
+            </a:lvl3pPr>
+            <a:lvl4pPr marL="1828800" marR="0" lvl="3" indent="-381000" algn="l" rtl="0">
+              <a:lnSpc>
+                <a:spcPct val="100000"/>
+              </a:lnSpc>
+              <a:spcBef>
+                <a:spcPts val="1000"/>
+              </a:spcBef>
+              <a:spcAft>
+                <a:spcPts val="0"/>
+              </a:spcAft>
+              <a:buClr>
+                <a:schemeClr val="accent4"/>
+              </a:buClr>
+              <a:buSzPts val="2400"/>
+              <a:buFont typeface="Roboto Condensed Light"/>
+              <a:buChar char="▻"/>
+              <a:defRPr sz="2400" b="0" i="0" u="none" strike="noStrike" cap="none">
+                <a:solidFill>
+                  <a:schemeClr val="dk1"/>
+                </a:solidFill>
+                <a:latin typeface="Roboto Condensed Light"/>
+                <a:ea typeface="Roboto Condensed Light"/>
+                <a:cs typeface="Roboto Condensed Light"/>
+                <a:sym typeface="Roboto Condensed Light"/>
+              </a:defRPr>
+            </a:lvl4pPr>
+            <a:lvl5pPr marL="2286000" marR="0" lvl="4" indent="-381000" algn="l" rtl="0">
+              <a:lnSpc>
+                <a:spcPct val="100000"/>
+              </a:lnSpc>
+              <a:spcBef>
+                <a:spcPts val="1000"/>
+              </a:spcBef>
+              <a:spcAft>
+                <a:spcPts val="0"/>
+              </a:spcAft>
+              <a:buClr>
+                <a:schemeClr val="accent4"/>
+              </a:buClr>
+              <a:buSzPts val="2400"/>
+              <a:buFont typeface="Roboto Condensed Light"/>
+              <a:buChar char="▻"/>
+              <a:defRPr sz="2400" b="0" i="0" u="none" strike="noStrike" cap="none">
+                <a:solidFill>
+                  <a:schemeClr val="dk1"/>
+                </a:solidFill>
+                <a:latin typeface="Roboto Condensed Light"/>
+                <a:ea typeface="Roboto Condensed Light"/>
+                <a:cs typeface="Roboto Condensed Light"/>
+                <a:sym typeface="Roboto Condensed Light"/>
+              </a:defRPr>
+            </a:lvl5pPr>
+            <a:lvl6pPr marL="2743200" marR="0" lvl="5" indent="-381000" algn="l" rtl="0">
+              <a:lnSpc>
+                <a:spcPct val="100000"/>
+              </a:lnSpc>
+              <a:spcBef>
+                <a:spcPts val="1000"/>
+              </a:spcBef>
+              <a:spcAft>
+                <a:spcPts val="0"/>
+              </a:spcAft>
+              <a:buClr>
+                <a:schemeClr val="accent4"/>
+              </a:buClr>
+              <a:buSzPts val="2400"/>
+              <a:buFont typeface="Roboto Condensed Light"/>
+              <a:buChar char="▻"/>
+              <a:defRPr sz="2400" b="0" i="0" u="none" strike="noStrike" cap="none">
+                <a:solidFill>
+                  <a:schemeClr val="dk1"/>
+                </a:solidFill>
+                <a:latin typeface="Roboto Condensed Light"/>
+                <a:ea typeface="Roboto Condensed Light"/>
+                <a:cs typeface="Roboto Condensed Light"/>
+                <a:sym typeface="Roboto Condensed Light"/>
+              </a:defRPr>
+            </a:lvl6pPr>
+            <a:lvl7pPr marL="3200400" marR="0" lvl="6" indent="-381000" algn="l" rtl="0">
+              <a:lnSpc>
+                <a:spcPct val="100000"/>
+              </a:lnSpc>
+              <a:spcBef>
+                <a:spcPts val="1000"/>
+              </a:spcBef>
+              <a:spcAft>
+                <a:spcPts val="0"/>
+              </a:spcAft>
+              <a:buClr>
+                <a:schemeClr val="accent4"/>
+              </a:buClr>
+              <a:buSzPts val="2400"/>
+              <a:buFont typeface="Roboto Condensed Light"/>
+              <a:buChar char="▻"/>
+              <a:defRPr sz="2400" b="0" i="0" u="none" strike="noStrike" cap="none">
+                <a:solidFill>
+                  <a:schemeClr val="dk1"/>
+                </a:solidFill>
+                <a:latin typeface="Roboto Condensed Light"/>
+                <a:ea typeface="Roboto Condensed Light"/>
+                <a:cs typeface="Roboto Condensed Light"/>
+                <a:sym typeface="Roboto Condensed Light"/>
+              </a:defRPr>
+            </a:lvl7pPr>
+            <a:lvl8pPr marL="3657600" marR="0" lvl="7" indent="-381000" algn="l" rtl="0">
+              <a:lnSpc>
+                <a:spcPct val="100000"/>
+              </a:lnSpc>
+              <a:spcBef>
+                <a:spcPts val="1000"/>
+              </a:spcBef>
+              <a:spcAft>
+                <a:spcPts val="0"/>
+              </a:spcAft>
+              <a:buClr>
+                <a:schemeClr val="accent4"/>
+              </a:buClr>
+              <a:buSzPts val="2400"/>
+              <a:buFont typeface="Roboto Condensed Light"/>
+              <a:buChar char="▻"/>
+              <a:defRPr sz="2400" b="0" i="0" u="none" strike="noStrike" cap="none">
+                <a:solidFill>
+                  <a:schemeClr val="dk1"/>
+                </a:solidFill>
+                <a:latin typeface="Roboto Condensed Light"/>
+                <a:ea typeface="Roboto Condensed Light"/>
+                <a:cs typeface="Roboto Condensed Light"/>
+                <a:sym typeface="Roboto Condensed Light"/>
+              </a:defRPr>
+            </a:lvl8pPr>
+            <a:lvl9pPr marL="4114800" marR="0" lvl="8" indent="-381000" algn="l" rtl="0">
+              <a:lnSpc>
+                <a:spcPct val="100000"/>
+              </a:lnSpc>
+              <a:spcBef>
+                <a:spcPts val="1000"/>
+              </a:spcBef>
+              <a:spcAft>
+                <a:spcPts val="1000"/>
+              </a:spcAft>
+              <a:buClr>
+                <a:schemeClr val="accent4"/>
+              </a:buClr>
+              <a:buSzPts val="2400"/>
+              <a:buFont typeface="Roboto Condensed Light"/>
+              <a:buChar char="▻"/>
+              <a:defRPr sz="2400" b="0" i="0" u="none" strike="noStrike" cap="none">
+                <a:solidFill>
+                  <a:schemeClr val="dk1"/>
+                </a:solidFill>
+                <a:latin typeface="Roboto Condensed Light"/>
+                <a:ea typeface="Roboto Condensed Light"/>
+                <a:cs typeface="Roboto Condensed Light"/>
+                <a:sym typeface="Roboto Condensed Light"/>
+              </a:defRPr>
+            </a:lvl9pPr>
+          </a:lstStyle>
+          <a:p>
+            <a:pPr marL="76200" indent="0">
+              <a:spcBef>
+                <a:spcPts val="0"/>
+              </a:spcBef>
+              <a:buNone/>
+            </a:pPr>
+            <a:r>
+              <a:rPr lang="en-US" b="1" dirty="0">
+                <a:latin typeface="Times New Roman" panose="02020603050405020304" pitchFamily="18" charset="0"/>
+                <a:cs typeface="Times New Roman" panose="02020603050405020304" pitchFamily="18" charset="0"/>
+              </a:rPr>
+              <a:t>Data Storage</a:t>
+            </a:r>
+          </a:p>
+          <a:p>
+            <a:pPr marL="76200" indent="0">
+              <a:spcBef>
+                <a:spcPts val="0"/>
+              </a:spcBef>
+              <a:buNone/>
+            </a:pPr>
+            <a:endParaRPr lang="en-US" b="1" dirty="0">
+              <a:latin typeface="Times New Roman" panose="02020603050405020304" pitchFamily="18" charset="0"/>
+              <a:cs typeface="Times New Roman" panose="02020603050405020304" pitchFamily="18" charset="0"/>
+            </a:endParaRPr>
+          </a:p>
+          <a:p>
+            <a:r>
+              <a:rPr lang="en-US" sz="1600" dirty="0">
+                <a:latin typeface="Times New Roman" panose="02020603050405020304" pitchFamily="18" charset="0"/>
+                <a:cs typeface="Times New Roman" panose="02020603050405020304" pitchFamily="18" charset="0"/>
+              </a:rPr>
+              <a:t>Mails (CSV)</a:t>
+            </a:r>
+          </a:p>
+          <a:p>
+            <a:r>
+              <a:rPr lang="en-US" sz="1600" dirty="0">
+                <a:latin typeface="Times New Roman" panose="02020603050405020304" pitchFamily="18" charset="0"/>
+                <a:cs typeface="Times New Roman" panose="02020603050405020304" pitchFamily="18" charset="0"/>
+              </a:rPr>
+              <a:t>Products (CSV)</a:t>
+            </a:r>
+          </a:p>
+          <a:p>
+            <a:r>
+              <a:rPr lang="en-US" sz="1600" dirty="0">
+                <a:latin typeface="Times New Roman" panose="02020603050405020304" pitchFamily="18" charset="0"/>
+                <a:cs typeface="Times New Roman" panose="02020603050405020304" pitchFamily="18" charset="0"/>
+              </a:rPr>
+              <a:t>Users (CSV)</a:t>
+            </a:r>
+            <a:endParaRPr lang="en-US" sz="1100" b="1" dirty="0">
+              <a:latin typeface="Times New Roman" panose="02020603050405020304" pitchFamily="18" charset="0"/>
+              <a:cs typeface="Times New Roman" panose="02020603050405020304" pitchFamily="18" charset="0"/>
+            </a:endParaRPr>
+          </a:p>
+        </p:txBody>
+      </p:sp>
+    </p:spTree>
+    <p:extLst>
+      <p:ext uri="{BB962C8B-B14F-4D97-AF65-F5344CB8AC3E}">
+        <p14:creationId xmlns:p14="http://schemas.microsoft.com/office/powerpoint/2010/main" val="2858406347"/>
       </p:ext>
     </p:extLst>
   </p:cSld>
@@ -16977,7 +17654,7 @@
               </a:rPr>
               <a:t>The system is designed for a company that provides:</a:t>
             </a:r>
-            <a:endParaRPr lang="en" sz="1600">
+            <a:endParaRPr lang="en" sz="1600" dirty="0">
               <a:latin typeface="Times New Roman"/>
             </a:endParaRPr>
           </a:p>
@@ -16988,7 +17665,7 @@
               </a:rPr>
               <a:t>Logistics (delivery of products to its client), product management(crud operations)</a:t>
             </a:r>
-            <a:endParaRPr lang="en" sz="1600">
+            <a:endParaRPr lang="en" sz="1600" dirty="0">
               <a:latin typeface="Times New Roman"/>
             </a:endParaRPr>
           </a:p>
@@ -17002,7 +17679,7 @@
               </a:rPr>
               <a:t>        and effective communication with their employees and clients.</a:t>
             </a:r>
-            <a:endParaRPr lang="en" sz="1600">
+            <a:endParaRPr lang="en" sz="1600" dirty="0">
               <a:latin typeface="Times New Roman"/>
             </a:endParaRPr>
           </a:p>
@@ -17013,7 +17690,7 @@
               </a:rPr>
               <a:t>The company has its office, warehouse, and rider. </a:t>
             </a:r>
-            <a:endParaRPr lang="en" sz="1600">
+            <a:endParaRPr lang="en" sz="1600" dirty="0">
               <a:latin typeface="Times New Roman"/>
             </a:endParaRPr>
           </a:p>
@@ -17024,7 +17701,7 @@
               </a:rPr>
               <a:t>It has a different contract with multiple firms to take the shipment and store it in </a:t>
             </a:r>
-            <a:endParaRPr lang="en" sz="1600">
+            <a:endParaRPr lang="en" sz="1600" dirty="0">
               <a:latin typeface="Times New Roman"/>
             </a:endParaRPr>
           </a:p>
@@ -17038,7 +17715,7 @@
               </a:rPr>
               <a:t>       dedicated warehouses. The rider will take orders from the shopkeeper. Their order</a:t>
             </a:r>
-            <a:endParaRPr lang="en" sz="1600">
+            <a:endParaRPr lang="en" sz="1600" dirty="0">
               <a:latin typeface="Times New Roman"/>
             </a:endParaRPr>
           </a:p>
@@ -17052,7 +17729,7 @@
               </a:rPr>
               <a:t>        is received at the office, and the office will create the feasibility report according </a:t>
             </a:r>
-            <a:endParaRPr lang="en" sz="1600">
+            <a:endParaRPr lang="en" sz="1600" dirty="0">
               <a:latin typeface="Times New Roman"/>
             </a:endParaRPr>
           </a:p>
@@ -17066,7 +17743,7 @@
               </a:rPr>
               <a:t>        to their client's needs and instructions generated for their warehouse manager to </a:t>
             </a:r>
-            <a:endParaRPr lang="en" sz="1600">
+            <a:endParaRPr lang="en" sz="1600" dirty="0">
               <a:latin typeface="Times New Roman"/>
             </a:endParaRPr>
           </a:p>
@@ -17080,7 +17757,7 @@
               </a:rPr>
               <a:t>        fulfill their order. The available rider will receive an email about their order. </a:t>
             </a:r>
-            <a:endParaRPr lang="en" sz="1600">
+            <a:endParaRPr lang="en" sz="1600" dirty="0">
               <a:latin typeface="Times New Roman"/>
             </a:endParaRPr>
           </a:p>
@@ -17095,7 +17772,7 @@
               <a:rPr lang="en-US" sz="1200" dirty="0"/>
               <a:t> </a:t>
             </a:r>
-            <a:endParaRPr lang="en" sz="1200"/>
+            <a:endParaRPr lang="en" sz="1200" dirty="0"/>
           </a:p>
           <a:p>
             <a:pPr marL="0" lvl="0" indent="0" algn="l">
@@ -17113,6 +17790,1738 @@
         </p:txBody>
       </p:sp>
     </p:spTree>
+  </p:cSld>
+  <p:clrMapOvr>
+    <a:masterClrMapping/>
+  </p:clrMapOvr>
+</p:sld>
+</file>
+
+<file path=ppt/slides/slide20.xml><?xml version="1.0" encoding="utf-8"?>
+<p:sld xmlns:a="http://schemas.openxmlformats.org/drawingml/2006/main" xmlns:r="http://schemas.openxmlformats.org/officeDocument/2006/relationships" xmlns:p="http://schemas.openxmlformats.org/presentationml/2006/main">
+  <p:cSld>
+    <p:spTree>
+      <p:nvGrpSpPr>
+        <p:cNvPr id="1" name="Shape 235"/>
+        <p:cNvGrpSpPr/>
+        <p:nvPr/>
+      </p:nvGrpSpPr>
+      <p:grpSpPr>
+        <a:xfrm>
+          <a:off x="0" y="0"/>
+          <a:ext cx="0" cy="0"/>
+          <a:chOff x="0" y="0"/>
+          <a:chExt cx="0" cy="0"/>
+        </a:xfrm>
+      </p:grpSpPr>
+      <p:sp>
+        <p:nvSpPr>
+          <p:cNvPr id="236" name="Google Shape;236;p16"/>
+          <p:cNvSpPr txBox="1">
+            <a:spLocks noGrp="1"/>
+          </p:cNvSpPr>
+          <p:nvPr>
+            <p:ph type="title"/>
+          </p:nvPr>
+        </p:nvSpPr>
+        <p:spPr>
+          <a:xfrm>
+            <a:off x="749577" y="521971"/>
+            <a:ext cx="5492400" cy="766200"/>
+          </a:xfrm>
+          <a:prstGeom prst="rect">
+            <a:avLst/>
+          </a:prstGeom>
+        </p:spPr>
+        <p:txBody>
+          <a:bodyPr spcFirstLastPara="1" wrap="square" lIns="91425" tIns="91425" rIns="91425" bIns="91425" anchor="ctr" anchorCtr="0">
+            <a:noAutofit/>
+          </a:bodyPr>
+          <a:lstStyle/>
+          <a:p>
+            <a:r>
+              <a:rPr lang="en" sz="2800" dirty="0"/>
+              <a:t>Merchant Monetary System</a:t>
+            </a:r>
+            <a:endParaRPr lang="en" sz="2800" b="0"/>
+          </a:p>
+          <a:p>
+            <a:pPr marL="0" lvl="0" indent="0" algn="l">
+              <a:spcBef>
+                <a:spcPts val="0"/>
+              </a:spcBef>
+              <a:spcAft>
+                <a:spcPts val="0"/>
+              </a:spcAft>
+              <a:buNone/>
+            </a:pPr>
+            <a:endParaRPr lang="en" sz="2800" dirty="0"/>
+          </a:p>
+        </p:txBody>
+      </p:sp>
+      <p:sp>
+        <p:nvSpPr>
+          <p:cNvPr id="238" name="Google Shape;238;p16"/>
+          <p:cNvSpPr txBox="1">
+            <a:spLocks noGrp="1"/>
+          </p:cNvSpPr>
+          <p:nvPr>
+            <p:ph type="sldNum" idx="12"/>
+          </p:nvPr>
+        </p:nvSpPr>
+        <p:spPr>
+          <a:xfrm>
+            <a:off x="7618000" y="4636500"/>
+            <a:ext cx="1487400" cy="315600"/>
+          </a:xfrm>
+          <a:prstGeom prst="rect">
+            <a:avLst/>
+          </a:prstGeom>
+        </p:spPr>
+        <p:txBody>
+          <a:bodyPr spcFirstLastPara="1" wrap="square" lIns="91425" tIns="91425" rIns="91425" bIns="91425" anchor="ctr" anchorCtr="0">
+            <a:noAutofit/>
+          </a:bodyPr>
+          <a:lstStyle/>
+          <a:p>
+            <a:pPr marL="0" lvl="0" indent="0" algn="r" rtl="0">
+              <a:spcBef>
+                <a:spcPts val="0"/>
+              </a:spcBef>
+              <a:spcAft>
+                <a:spcPts val="0"/>
+              </a:spcAft>
+              <a:buNone/>
+            </a:pPr>
+            <a:fld id="{00000000-1234-1234-1234-123412341234}" type="slidenum">
+              <a:rPr lang="en"/>
+              <a:t>20</a:t>
+            </a:fld>
+            <a:endParaRPr/>
+          </a:p>
+        </p:txBody>
+      </p:sp>
+      <p:sp>
+        <p:nvSpPr>
+          <p:cNvPr id="3" name="Google Shape;237;p16">
+            <a:extLst>
+              <a:ext uri="{FF2B5EF4-FFF2-40B4-BE49-F238E27FC236}">
+                <a16:creationId xmlns:a16="http://schemas.microsoft.com/office/drawing/2014/main" id="{7C3A3A3A-0852-D43C-0CFA-CC88495D1EC1}"/>
+              </a:ext>
+            </a:extLst>
+          </p:cNvPr>
+          <p:cNvSpPr txBox="1">
+            <a:spLocks/>
+          </p:cNvSpPr>
+          <p:nvPr/>
+        </p:nvSpPr>
+        <p:spPr>
+          <a:xfrm>
+            <a:off x="749577" y="1868715"/>
+            <a:ext cx="6132600" cy="2182289"/>
+          </a:xfrm>
+          <a:prstGeom prst="rect">
+            <a:avLst/>
+          </a:prstGeom>
+          <a:noFill/>
+          <a:ln>
+            <a:noFill/>
+          </a:ln>
+        </p:spPr>
+        <p:txBody>
+          <a:bodyPr spcFirstLastPara="1" wrap="square" lIns="91425" tIns="91425" rIns="91425" bIns="91425" anchor="ctr" anchorCtr="0">
+            <a:noAutofit/>
+          </a:bodyPr>
+          <a:lstStyle>
+            <a:defPPr marR="0" lvl="0" algn="l" rtl="0">
+              <a:lnSpc>
+                <a:spcPct val="100000"/>
+              </a:lnSpc>
+              <a:spcBef>
+                <a:spcPts val="0"/>
+              </a:spcBef>
+              <a:spcAft>
+                <a:spcPts val="0"/>
+              </a:spcAft>
+            </a:defPPr>
+            <a:lvl1pPr marL="457200" marR="0" lvl="0" indent="-381000" algn="l" rtl="0">
+              <a:lnSpc>
+                <a:spcPct val="100000"/>
+              </a:lnSpc>
+              <a:spcBef>
+                <a:spcPts val="600"/>
+              </a:spcBef>
+              <a:spcAft>
+                <a:spcPts val="0"/>
+              </a:spcAft>
+              <a:buClr>
+                <a:schemeClr val="accent4"/>
+              </a:buClr>
+              <a:buSzPts val="2400"/>
+              <a:buFont typeface="Roboto Condensed Light"/>
+              <a:buChar char="▰"/>
+              <a:defRPr sz="2400" b="0" i="0" u="none" strike="noStrike" cap="none">
+                <a:solidFill>
+                  <a:schemeClr val="dk1"/>
+                </a:solidFill>
+                <a:latin typeface="Roboto Condensed Light"/>
+                <a:ea typeface="Roboto Condensed Light"/>
+                <a:cs typeface="Roboto Condensed Light"/>
+                <a:sym typeface="Roboto Condensed Light"/>
+              </a:defRPr>
+            </a:lvl1pPr>
+            <a:lvl2pPr marL="914400" marR="0" lvl="1" indent="-381000" algn="l" rtl="0">
+              <a:lnSpc>
+                <a:spcPct val="100000"/>
+              </a:lnSpc>
+              <a:spcBef>
+                <a:spcPts val="1000"/>
+              </a:spcBef>
+              <a:spcAft>
+                <a:spcPts val="0"/>
+              </a:spcAft>
+              <a:buClr>
+                <a:schemeClr val="accent4"/>
+              </a:buClr>
+              <a:buSzPts val="2400"/>
+              <a:buFont typeface="Roboto Condensed Light"/>
+              <a:buChar char="▻"/>
+              <a:defRPr sz="2400" b="0" i="0" u="none" strike="noStrike" cap="none">
+                <a:solidFill>
+                  <a:schemeClr val="dk1"/>
+                </a:solidFill>
+                <a:latin typeface="Roboto Condensed Light"/>
+                <a:ea typeface="Roboto Condensed Light"/>
+                <a:cs typeface="Roboto Condensed Light"/>
+                <a:sym typeface="Roboto Condensed Light"/>
+              </a:defRPr>
+            </a:lvl2pPr>
+            <a:lvl3pPr marL="1371600" marR="0" lvl="2" indent="-381000" algn="l" rtl="0">
+              <a:lnSpc>
+                <a:spcPct val="100000"/>
+              </a:lnSpc>
+              <a:spcBef>
+                <a:spcPts val="1000"/>
+              </a:spcBef>
+              <a:spcAft>
+                <a:spcPts val="0"/>
+              </a:spcAft>
+              <a:buClr>
+                <a:schemeClr val="accent4"/>
+              </a:buClr>
+              <a:buSzPts val="2400"/>
+              <a:buFont typeface="Roboto Condensed Light"/>
+              <a:buChar char="▻"/>
+              <a:defRPr sz="2400" b="0" i="0" u="none" strike="noStrike" cap="none">
+                <a:solidFill>
+                  <a:schemeClr val="dk1"/>
+                </a:solidFill>
+                <a:latin typeface="Roboto Condensed Light"/>
+                <a:ea typeface="Roboto Condensed Light"/>
+                <a:cs typeface="Roboto Condensed Light"/>
+                <a:sym typeface="Roboto Condensed Light"/>
+              </a:defRPr>
+            </a:lvl3pPr>
+            <a:lvl4pPr marL="1828800" marR="0" lvl="3" indent="-381000" algn="l" rtl="0">
+              <a:lnSpc>
+                <a:spcPct val="100000"/>
+              </a:lnSpc>
+              <a:spcBef>
+                <a:spcPts val="1000"/>
+              </a:spcBef>
+              <a:spcAft>
+                <a:spcPts val="0"/>
+              </a:spcAft>
+              <a:buClr>
+                <a:schemeClr val="accent4"/>
+              </a:buClr>
+              <a:buSzPts val="2400"/>
+              <a:buFont typeface="Roboto Condensed Light"/>
+              <a:buChar char="▻"/>
+              <a:defRPr sz="2400" b="0" i="0" u="none" strike="noStrike" cap="none">
+                <a:solidFill>
+                  <a:schemeClr val="dk1"/>
+                </a:solidFill>
+                <a:latin typeface="Roboto Condensed Light"/>
+                <a:ea typeface="Roboto Condensed Light"/>
+                <a:cs typeface="Roboto Condensed Light"/>
+                <a:sym typeface="Roboto Condensed Light"/>
+              </a:defRPr>
+            </a:lvl4pPr>
+            <a:lvl5pPr marL="2286000" marR="0" lvl="4" indent="-381000" algn="l" rtl="0">
+              <a:lnSpc>
+                <a:spcPct val="100000"/>
+              </a:lnSpc>
+              <a:spcBef>
+                <a:spcPts val="1000"/>
+              </a:spcBef>
+              <a:spcAft>
+                <a:spcPts val="0"/>
+              </a:spcAft>
+              <a:buClr>
+                <a:schemeClr val="accent4"/>
+              </a:buClr>
+              <a:buSzPts val="2400"/>
+              <a:buFont typeface="Roboto Condensed Light"/>
+              <a:buChar char="▻"/>
+              <a:defRPr sz="2400" b="0" i="0" u="none" strike="noStrike" cap="none">
+                <a:solidFill>
+                  <a:schemeClr val="dk1"/>
+                </a:solidFill>
+                <a:latin typeface="Roboto Condensed Light"/>
+                <a:ea typeface="Roboto Condensed Light"/>
+                <a:cs typeface="Roboto Condensed Light"/>
+                <a:sym typeface="Roboto Condensed Light"/>
+              </a:defRPr>
+            </a:lvl5pPr>
+            <a:lvl6pPr marL="2743200" marR="0" lvl="5" indent="-381000" algn="l" rtl="0">
+              <a:lnSpc>
+                <a:spcPct val="100000"/>
+              </a:lnSpc>
+              <a:spcBef>
+                <a:spcPts val="1000"/>
+              </a:spcBef>
+              <a:spcAft>
+                <a:spcPts val="0"/>
+              </a:spcAft>
+              <a:buClr>
+                <a:schemeClr val="accent4"/>
+              </a:buClr>
+              <a:buSzPts val="2400"/>
+              <a:buFont typeface="Roboto Condensed Light"/>
+              <a:buChar char="▻"/>
+              <a:defRPr sz="2400" b="0" i="0" u="none" strike="noStrike" cap="none">
+                <a:solidFill>
+                  <a:schemeClr val="dk1"/>
+                </a:solidFill>
+                <a:latin typeface="Roboto Condensed Light"/>
+                <a:ea typeface="Roboto Condensed Light"/>
+                <a:cs typeface="Roboto Condensed Light"/>
+                <a:sym typeface="Roboto Condensed Light"/>
+              </a:defRPr>
+            </a:lvl6pPr>
+            <a:lvl7pPr marL="3200400" marR="0" lvl="6" indent="-381000" algn="l" rtl="0">
+              <a:lnSpc>
+                <a:spcPct val="100000"/>
+              </a:lnSpc>
+              <a:spcBef>
+                <a:spcPts val="1000"/>
+              </a:spcBef>
+              <a:spcAft>
+                <a:spcPts val="0"/>
+              </a:spcAft>
+              <a:buClr>
+                <a:schemeClr val="accent4"/>
+              </a:buClr>
+              <a:buSzPts val="2400"/>
+              <a:buFont typeface="Roboto Condensed Light"/>
+              <a:buChar char="▻"/>
+              <a:defRPr sz="2400" b="0" i="0" u="none" strike="noStrike" cap="none">
+                <a:solidFill>
+                  <a:schemeClr val="dk1"/>
+                </a:solidFill>
+                <a:latin typeface="Roboto Condensed Light"/>
+                <a:ea typeface="Roboto Condensed Light"/>
+                <a:cs typeface="Roboto Condensed Light"/>
+                <a:sym typeface="Roboto Condensed Light"/>
+              </a:defRPr>
+            </a:lvl7pPr>
+            <a:lvl8pPr marL="3657600" marR="0" lvl="7" indent="-381000" algn="l" rtl="0">
+              <a:lnSpc>
+                <a:spcPct val="100000"/>
+              </a:lnSpc>
+              <a:spcBef>
+                <a:spcPts val="1000"/>
+              </a:spcBef>
+              <a:spcAft>
+                <a:spcPts val="0"/>
+              </a:spcAft>
+              <a:buClr>
+                <a:schemeClr val="accent4"/>
+              </a:buClr>
+              <a:buSzPts val="2400"/>
+              <a:buFont typeface="Roboto Condensed Light"/>
+              <a:buChar char="▻"/>
+              <a:defRPr sz="2400" b="0" i="0" u="none" strike="noStrike" cap="none">
+                <a:solidFill>
+                  <a:schemeClr val="dk1"/>
+                </a:solidFill>
+                <a:latin typeface="Roboto Condensed Light"/>
+                <a:ea typeface="Roboto Condensed Light"/>
+                <a:cs typeface="Roboto Condensed Light"/>
+                <a:sym typeface="Roboto Condensed Light"/>
+              </a:defRPr>
+            </a:lvl8pPr>
+            <a:lvl9pPr marL="4114800" marR="0" lvl="8" indent="-381000" algn="l" rtl="0">
+              <a:lnSpc>
+                <a:spcPct val="100000"/>
+              </a:lnSpc>
+              <a:spcBef>
+                <a:spcPts val="1000"/>
+              </a:spcBef>
+              <a:spcAft>
+                <a:spcPts val="1000"/>
+              </a:spcAft>
+              <a:buClr>
+                <a:schemeClr val="accent4"/>
+              </a:buClr>
+              <a:buSzPts val="2400"/>
+              <a:buFont typeface="Roboto Condensed Light"/>
+              <a:buChar char="▻"/>
+              <a:defRPr sz="2400" b="0" i="0" u="none" strike="noStrike" cap="none">
+                <a:solidFill>
+                  <a:schemeClr val="dk1"/>
+                </a:solidFill>
+                <a:latin typeface="Roboto Condensed Light"/>
+                <a:ea typeface="Roboto Condensed Light"/>
+                <a:cs typeface="Roboto Condensed Light"/>
+                <a:sym typeface="Roboto Condensed Light"/>
+              </a:defRPr>
+            </a:lvl9pPr>
+          </a:lstStyle>
+          <a:p>
+            <a:pPr marL="76200" indent="0">
+              <a:spcBef>
+                <a:spcPts val="0"/>
+              </a:spcBef>
+              <a:buNone/>
+            </a:pPr>
+            <a:r>
+              <a:rPr lang="en-US" b="1" dirty="0">
+                <a:latin typeface="Times New Roman" panose="02020603050405020304" pitchFamily="18" charset="0"/>
+                <a:cs typeface="Times New Roman" panose="02020603050405020304" pitchFamily="18" charset="0"/>
+              </a:rPr>
+              <a:t>Email Sending</a:t>
+            </a:r>
+          </a:p>
+          <a:p>
+            <a:pPr marL="76200" indent="0">
+              <a:spcBef>
+                <a:spcPts val="0"/>
+              </a:spcBef>
+              <a:buNone/>
+            </a:pPr>
+            <a:endParaRPr lang="en-US" dirty="0">
+              <a:latin typeface="Times New Roman" panose="02020603050405020304" pitchFamily="18" charset="0"/>
+              <a:cs typeface="Times New Roman" panose="02020603050405020304" pitchFamily="18" charset="0"/>
+            </a:endParaRPr>
+          </a:p>
+          <a:p>
+            <a:r>
+              <a:rPr lang="en-GB" sz="1600" dirty="0">
+                <a:latin typeface="Times New Roman" panose="02020603050405020304" pitchFamily="18" charset="0"/>
+                <a:cs typeface="Times New Roman" panose="02020603050405020304" pitchFamily="18" charset="0"/>
+              </a:rPr>
+              <a:t>Rider will email the employee about the order of shopkeeper</a:t>
+            </a:r>
+          </a:p>
+          <a:p>
+            <a:r>
+              <a:rPr lang="en-GB" sz="1600" dirty="0">
+                <a:latin typeface="Times New Roman" panose="02020603050405020304" pitchFamily="18" charset="0"/>
+                <a:cs typeface="Times New Roman" panose="02020603050405020304" pitchFamily="18" charset="0"/>
+              </a:rPr>
+              <a:t>Employee email warehouse manager to ready the shipment for rider</a:t>
+            </a:r>
+          </a:p>
+          <a:p>
+            <a:r>
+              <a:rPr lang="en-GB" sz="1600" dirty="0">
+                <a:latin typeface="Times New Roman" panose="02020603050405020304" pitchFamily="18" charset="0"/>
+                <a:cs typeface="Times New Roman" panose="02020603050405020304" pitchFamily="18" charset="0"/>
+              </a:rPr>
+              <a:t>Rider will email the Employee and Shopkeeper that he has picked the order and cc to CEO.</a:t>
+            </a:r>
+            <a:endParaRPr lang="en-US" sz="1600" b="1" dirty="0">
+              <a:latin typeface="Times New Roman" panose="02020603050405020304" pitchFamily="18" charset="0"/>
+              <a:cs typeface="Times New Roman" panose="02020603050405020304" pitchFamily="18" charset="0"/>
+            </a:endParaRPr>
+          </a:p>
+        </p:txBody>
+      </p:sp>
+    </p:spTree>
+    <p:extLst>
+      <p:ext uri="{BB962C8B-B14F-4D97-AF65-F5344CB8AC3E}">
+        <p14:creationId xmlns:p14="http://schemas.microsoft.com/office/powerpoint/2010/main" val="2214694147"/>
+      </p:ext>
+    </p:extLst>
+  </p:cSld>
+  <p:clrMapOvr>
+    <a:masterClrMapping/>
+  </p:clrMapOvr>
+</p:sld>
+</file>
+
+<file path=ppt/slides/slide21.xml><?xml version="1.0" encoding="utf-8"?>
+<p:sld xmlns:a="http://schemas.openxmlformats.org/drawingml/2006/main" xmlns:r="http://schemas.openxmlformats.org/officeDocument/2006/relationships" xmlns:p="http://schemas.openxmlformats.org/presentationml/2006/main">
+  <p:cSld>
+    <p:spTree>
+      <p:nvGrpSpPr>
+        <p:cNvPr id="1" name="Shape 235"/>
+        <p:cNvGrpSpPr/>
+        <p:nvPr/>
+      </p:nvGrpSpPr>
+      <p:grpSpPr>
+        <a:xfrm>
+          <a:off x="0" y="0"/>
+          <a:ext cx="0" cy="0"/>
+          <a:chOff x="0" y="0"/>
+          <a:chExt cx="0" cy="0"/>
+        </a:xfrm>
+      </p:grpSpPr>
+      <p:sp>
+        <p:nvSpPr>
+          <p:cNvPr id="236" name="Google Shape;236;p16"/>
+          <p:cNvSpPr txBox="1">
+            <a:spLocks noGrp="1"/>
+          </p:cNvSpPr>
+          <p:nvPr>
+            <p:ph type="title"/>
+          </p:nvPr>
+        </p:nvSpPr>
+        <p:spPr>
+          <a:xfrm>
+            <a:off x="749577" y="521971"/>
+            <a:ext cx="5492400" cy="766200"/>
+          </a:xfrm>
+          <a:prstGeom prst="rect">
+            <a:avLst/>
+          </a:prstGeom>
+        </p:spPr>
+        <p:txBody>
+          <a:bodyPr spcFirstLastPara="1" wrap="square" lIns="91425" tIns="91425" rIns="91425" bIns="91425" anchor="ctr" anchorCtr="0">
+            <a:noAutofit/>
+          </a:bodyPr>
+          <a:lstStyle/>
+          <a:p>
+            <a:r>
+              <a:rPr lang="en" sz="2800" dirty="0"/>
+              <a:t>Merchant Monetary System</a:t>
+            </a:r>
+            <a:endParaRPr lang="en" sz="2800" b="0"/>
+          </a:p>
+          <a:p>
+            <a:pPr marL="0" lvl="0" indent="0" algn="l">
+              <a:spcBef>
+                <a:spcPts val="0"/>
+              </a:spcBef>
+              <a:spcAft>
+                <a:spcPts val="0"/>
+              </a:spcAft>
+              <a:buNone/>
+            </a:pPr>
+            <a:endParaRPr lang="en" sz="2800" dirty="0"/>
+          </a:p>
+        </p:txBody>
+      </p:sp>
+      <p:sp>
+        <p:nvSpPr>
+          <p:cNvPr id="238" name="Google Shape;238;p16"/>
+          <p:cNvSpPr txBox="1">
+            <a:spLocks noGrp="1"/>
+          </p:cNvSpPr>
+          <p:nvPr>
+            <p:ph type="sldNum" idx="12"/>
+          </p:nvPr>
+        </p:nvSpPr>
+        <p:spPr>
+          <a:xfrm>
+            <a:off x="7618000" y="4636500"/>
+            <a:ext cx="1487400" cy="315600"/>
+          </a:xfrm>
+          <a:prstGeom prst="rect">
+            <a:avLst/>
+          </a:prstGeom>
+        </p:spPr>
+        <p:txBody>
+          <a:bodyPr spcFirstLastPara="1" wrap="square" lIns="91425" tIns="91425" rIns="91425" bIns="91425" anchor="ctr" anchorCtr="0">
+            <a:noAutofit/>
+          </a:bodyPr>
+          <a:lstStyle/>
+          <a:p>
+            <a:pPr marL="0" lvl="0" indent="0" algn="r" rtl="0">
+              <a:spcBef>
+                <a:spcPts val="0"/>
+              </a:spcBef>
+              <a:spcAft>
+                <a:spcPts val="0"/>
+              </a:spcAft>
+              <a:buNone/>
+            </a:pPr>
+            <a:fld id="{00000000-1234-1234-1234-123412341234}" type="slidenum">
+              <a:rPr lang="en"/>
+              <a:t>21</a:t>
+            </a:fld>
+            <a:endParaRPr/>
+          </a:p>
+        </p:txBody>
+      </p:sp>
+      <p:sp>
+        <p:nvSpPr>
+          <p:cNvPr id="3" name="Google Shape;237;p16">
+            <a:extLst>
+              <a:ext uri="{FF2B5EF4-FFF2-40B4-BE49-F238E27FC236}">
+                <a16:creationId xmlns:a16="http://schemas.microsoft.com/office/drawing/2014/main" id="{7C3A3A3A-0852-D43C-0CFA-CC88495D1EC1}"/>
+              </a:ext>
+            </a:extLst>
+          </p:cNvPr>
+          <p:cNvSpPr txBox="1">
+            <a:spLocks/>
+          </p:cNvSpPr>
+          <p:nvPr/>
+        </p:nvSpPr>
+        <p:spPr>
+          <a:xfrm>
+            <a:off x="749577" y="1868716"/>
+            <a:ext cx="6132600" cy="1986614"/>
+          </a:xfrm>
+          <a:prstGeom prst="rect">
+            <a:avLst/>
+          </a:prstGeom>
+          <a:noFill/>
+          <a:ln>
+            <a:noFill/>
+          </a:ln>
+        </p:spPr>
+        <p:txBody>
+          <a:bodyPr spcFirstLastPara="1" wrap="square" lIns="91425" tIns="91425" rIns="91425" bIns="91425" anchor="ctr" anchorCtr="0">
+            <a:noAutofit/>
+          </a:bodyPr>
+          <a:lstStyle>
+            <a:defPPr marR="0" lvl="0" algn="l" rtl="0">
+              <a:lnSpc>
+                <a:spcPct val="100000"/>
+              </a:lnSpc>
+              <a:spcBef>
+                <a:spcPts val="0"/>
+              </a:spcBef>
+              <a:spcAft>
+                <a:spcPts val="0"/>
+              </a:spcAft>
+            </a:defPPr>
+            <a:lvl1pPr marL="457200" marR="0" lvl="0" indent="-381000" algn="l" rtl="0">
+              <a:lnSpc>
+                <a:spcPct val="100000"/>
+              </a:lnSpc>
+              <a:spcBef>
+                <a:spcPts val="600"/>
+              </a:spcBef>
+              <a:spcAft>
+                <a:spcPts val="0"/>
+              </a:spcAft>
+              <a:buClr>
+                <a:schemeClr val="accent4"/>
+              </a:buClr>
+              <a:buSzPts val="2400"/>
+              <a:buFont typeface="Roboto Condensed Light"/>
+              <a:buChar char="▰"/>
+              <a:defRPr sz="2400" b="0" i="0" u="none" strike="noStrike" cap="none">
+                <a:solidFill>
+                  <a:schemeClr val="dk1"/>
+                </a:solidFill>
+                <a:latin typeface="Roboto Condensed Light"/>
+                <a:ea typeface="Roboto Condensed Light"/>
+                <a:cs typeface="Roboto Condensed Light"/>
+                <a:sym typeface="Roboto Condensed Light"/>
+              </a:defRPr>
+            </a:lvl1pPr>
+            <a:lvl2pPr marL="914400" marR="0" lvl="1" indent="-381000" algn="l" rtl="0">
+              <a:lnSpc>
+                <a:spcPct val="100000"/>
+              </a:lnSpc>
+              <a:spcBef>
+                <a:spcPts val="1000"/>
+              </a:spcBef>
+              <a:spcAft>
+                <a:spcPts val="0"/>
+              </a:spcAft>
+              <a:buClr>
+                <a:schemeClr val="accent4"/>
+              </a:buClr>
+              <a:buSzPts val="2400"/>
+              <a:buFont typeface="Roboto Condensed Light"/>
+              <a:buChar char="▻"/>
+              <a:defRPr sz="2400" b="0" i="0" u="none" strike="noStrike" cap="none">
+                <a:solidFill>
+                  <a:schemeClr val="dk1"/>
+                </a:solidFill>
+                <a:latin typeface="Roboto Condensed Light"/>
+                <a:ea typeface="Roboto Condensed Light"/>
+                <a:cs typeface="Roboto Condensed Light"/>
+                <a:sym typeface="Roboto Condensed Light"/>
+              </a:defRPr>
+            </a:lvl2pPr>
+            <a:lvl3pPr marL="1371600" marR="0" lvl="2" indent="-381000" algn="l" rtl="0">
+              <a:lnSpc>
+                <a:spcPct val="100000"/>
+              </a:lnSpc>
+              <a:spcBef>
+                <a:spcPts val="1000"/>
+              </a:spcBef>
+              <a:spcAft>
+                <a:spcPts val="0"/>
+              </a:spcAft>
+              <a:buClr>
+                <a:schemeClr val="accent4"/>
+              </a:buClr>
+              <a:buSzPts val="2400"/>
+              <a:buFont typeface="Roboto Condensed Light"/>
+              <a:buChar char="▻"/>
+              <a:defRPr sz="2400" b="0" i="0" u="none" strike="noStrike" cap="none">
+                <a:solidFill>
+                  <a:schemeClr val="dk1"/>
+                </a:solidFill>
+                <a:latin typeface="Roboto Condensed Light"/>
+                <a:ea typeface="Roboto Condensed Light"/>
+                <a:cs typeface="Roboto Condensed Light"/>
+                <a:sym typeface="Roboto Condensed Light"/>
+              </a:defRPr>
+            </a:lvl3pPr>
+            <a:lvl4pPr marL="1828800" marR="0" lvl="3" indent="-381000" algn="l" rtl="0">
+              <a:lnSpc>
+                <a:spcPct val="100000"/>
+              </a:lnSpc>
+              <a:spcBef>
+                <a:spcPts val="1000"/>
+              </a:spcBef>
+              <a:spcAft>
+                <a:spcPts val="0"/>
+              </a:spcAft>
+              <a:buClr>
+                <a:schemeClr val="accent4"/>
+              </a:buClr>
+              <a:buSzPts val="2400"/>
+              <a:buFont typeface="Roboto Condensed Light"/>
+              <a:buChar char="▻"/>
+              <a:defRPr sz="2400" b="0" i="0" u="none" strike="noStrike" cap="none">
+                <a:solidFill>
+                  <a:schemeClr val="dk1"/>
+                </a:solidFill>
+                <a:latin typeface="Roboto Condensed Light"/>
+                <a:ea typeface="Roboto Condensed Light"/>
+                <a:cs typeface="Roboto Condensed Light"/>
+                <a:sym typeface="Roboto Condensed Light"/>
+              </a:defRPr>
+            </a:lvl4pPr>
+            <a:lvl5pPr marL="2286000" marR="0" lvl="4" indent="-381000" algn="l" rtl="0">
+              <a:lnSpc>
+                <a:spcPct val="100000"/>
+              </a:lnSpc>
+              <a:spcBef>
+                <a:spcPts val="1000"/>
+              </a:spcBef>
+              <a:spcAft>
+                <a:spcPts val="0"/>
+              </a:spcAft>
+              <a:buClr>
+                <a:schemeClr val="accent4"/>
+              </a:buClr>
+              <a:buSzPts val="2400"/>
+              <a:buFont typeface="Roboto Condensed Light"/>
+              <a:buChar char="▻"/>
+              <a:defRPr sz="2400" b="0" i="0" u="none" strike="noStrike" cap="none">
+                <a:solidFill>
+                  <a:schemeClr val="dk1"/>
+                </a:solidFill>
+                <a:latin typeface="Roboto Condensed Light"/>
+                <a:ea typeface="Roboto Condensed Light"/>
+                <a:cs typeface="Roboto Condensed Light"/>
+                <a:sym typeface="Roboto Condensed Light"/>
+              </a:defRPr>
+            </a:lvl5pPr>
+            <a:lvl6pPr marL="2743200" marR="0" lvl="5" indent="-381000" algn="l" rtl="0">
+              <a:lnSpc>
+                <a:spcPct val="100000"/>
+              </a:lnSpc>
+              <a:spcBef>
+                <a:spcPts val="1000"/>
+              </a:spcBef>
+              <a:spcAft>
+                <a:spcPts val="0"/>
+              </a:spcAft>
+              <a:buClr>
+                <a:schemeClr val="accent4"/>
+              </a:buClr>
+              <a:buSzPts val="2400"/>
+              <a:buFont typeface="Roboto Condensed Light"/>
+              <a:buChar char="▻"/>
+              <a:defRPr sz="2400" b="0" i="0" u="none" strike="noStrike" cap="none">
+                <a:solidFill>
+                  <a:schemeClr val="dk1"/>
+                </a:solidFill>
+                <a:latin typeface="Roboto Condensed Light"/>
+                <a:ea typeface="Roboto Condensed Light"/>
+                <a:cs typeface="Roboto Condensed Light"/>
+                <a:sym typeface="Roboto Condensed Light"/>
+              </a:defRPr>
+            </a:lvl6pPr>
+            <a:lvl7pPr marL="3200400" marR="0" lvl="6" indent="-381000" algn="l" rtl="0">
+              <a:lnSpc>
+                <a:spcPct val="100000"/>
+              </a:lnSpc>
+              <a:spcBef>
+                <a:spcPts val="1000"/>
+              </a:spcBef>
+              <a:spcAft>
+                <a:spcPts val="0"/>
+              </a:spcAft>
+              <a:buClr>
+                <a:schemeClr val="accent4"/>
+              </a:buClr>
+              <a:buSzPts val="2400"/>
+              <a:buFont typeface="Roboto Condensed Light"/>
+              <a:buChar char="▻"/>
+              <a:defRPr sz="2400" b="0" i="0" u="none" strike="noStrike" cap="none">
+                <a:solidFill>
+                  <a:schemeClr val="dk1"/>
+                </a:solidFill>
+                <a:latin typeface="Roboto Condensed Light"/>
+                <a:ea typeface="Roboto Condensed Light"/>
+                <a:cs typeface="Roboto Condensed Light"/>
+                <a:sym typeface="Roboto Condensed Light"/>
+              </a:defRPr>
+            </a:lvl7pPr>
+            <a:lvl8pPr marL="3657600" marR="0" lvl="7" indent="-381000" algn="l" rtl="0">
+              <a:lnSpc>
+                <a:spcPct val="100000"/>
+              </a:lnSpc>
+              <a:spcBef>
+                <a:spcPts val="1000"/>
+              </a:spcBef>
+              <a:spcAft>
+                <a:spcPts val="0"/>
+              </a:spcAft>
+              <a:buClr>
+                <a:schemeClr val="accent4"/>
+              </a:buClr>
+              <a:buSzPts val="2400"/>
+              <a:buFont typeface="Roboto Condensed Light"/>
+              <a:buChar char="▻"/>
+              <a:defRPr sz="2400" b="0" i="0" u="none" strike="noStrike" cap="none">
+                <a:solidFill>
+                  <a:schemeClr val="dk1"/>
+                </a:solidFill>
+                <a:latin typeface="Roboto Condensed Light"/>
+                <a:ea typeface="Roboto Condensed Light"/>
+                <a:cs typeface="Roboto Condensed Light"/>
+                <a:sym typeface="Roboto Condensed Light"/>
+              </a:defRPr>
+            </a:lvl8pPr>
+            <a:lvl9pPr marL="4114800" marR="0" lvl="8" indent="-381000" algn="l" rtl="0">
+              <a:lnSpc>
+                <a:spcPct val="100000"/>
+              </a:lnSpc>
+              <a:spcBef>
+                <a:spcPts val="1000"/>
+              </a:spcBef>
+              <a:spcAft>
+                <a:spcPts val="1000"/>
+              </a:spcAft>
+              <a:buClr>
+                <a:schemeClr val="accent4"/>
+              </a:buClr>
+              <a:buSzPts val="2400"/>
+              <a:buFont typeface="Roboto Condensed Light"/>
+              <a:buChar char="▻"/>
+              <a:defRPr sz="2400" b="0" i="0" u="none" strike="noStrike" cap="none">
+                <a:solidFill>
+                  <a:schemeClr val="dk1"/>
+                </a:solidFill>
+                <a:latin typeface="Roboto Condensed Light"/>
+                <a:ea typeface="Roboto Condensed Light"/>
+                <a:cs typeface="Roboto Condensed Light"/>
+                <a:sym typeface="Roboto Condensed Light"/>
+              </a:defRPr>
+            </a:lvl9pPr>
+          </a:lstStyle>
+          <a:p>
+            <a:pPr marL="76200" indent="0">
+              <a:spcBef>
+                <a:spcPts val="0"/>
+              </a:spcBef>
+              <a:buNone/>
+            </a:pPr>
+            <a:r>
+              <a:rPr lang="en-US" b="1" dirty="0">
+                <a:latin typeface="Times New Roman" panose="02020603050405020304" pitchFamily="18" charset="0"/>
+                <a:cs typeface="Times New Roman" panose="02020603050405020304" pitchFamily="18" charset="0"/>
+              </a:rPr>
+              <a:t>Analytical Reports</a:t>
+            </a:r>
+          </a:p>
+          <a:p>
+            <a:pPr marL="76200" indent="0">
+              <a:spcBef>
+                <a:spcPts val="0"/>
+              </a:spcBef>
+              <a:buNone/>
+            </a:pPr>
+            <a:endParaRPr lang="en-US" b="1" dirty="0">
+              <a:latin typeface="Times New Roman" panose="02020603050405020304" pitchFamily="18" charset="0"/>
+              <a:cs typeface="Times New Roman" panose="02020603050405020304" pitchFamily="18" charset="0"/>
+            </a:endParaRPr>
+          </a:p>
+          <a:p>
+            <a:r>
+              <a:rPr lang="en-US" sz="1600" dirty="0">
+                <a:latin typeface="Times New Roman" panose="02020603050405020304" pitchFamily="18" charset="0"/>
+                <a:cs typeface="Times New Roman" panose="02020603050405020304" pitchFamily="18" charset="0"/>
+              </a:rPr>
+              <a:t>Salary Report</a:t>
+            </a:r>
+          </a:p>
+          <a:p>
+            <a:r>
+              <a:rPr lang="en-GB" sz="1600" dirty="0">
+                <a:latin typeface="Times New Roman" panose="02020603050405020304" pitchFamily="18" charset="0"/>
+                <a:cs typeface="Times New Roman" panose="02020603050405020304" pitchFamily="18" charset="0"/>
+              </a:rPr>
+              <a:t>Rider Capture Order Report</a:t>
+            </a:r>
+          </a:p>
+          <a:p>
+            <a:r>
+              <a:rPr lang="en-US" sz="1600" dirty="0">
+                <a:latin typeface="Times New Roman" panose="02020603050405020304" pitchFamily="18" charset="0"/>
+                <a:cs typeface="Times New Roman" panose="02020603050405020304" pitchFamily="18" charset="0"/>
+              </a:rPr>
+              <a:t>Profit Report</a:t>
+            </a:r>
+          </a:p>
+          <a:p>
+            <a:r>
+              <a:rPr lang="en-US" sz="1600" dirty="0">
+                <a:latin typeface="Times New Roman" panose="02020603050405020304" pitchFamily="18" charset="0"/>
+                <a:cs typeface="Times New Roman" panose="02020603050405020304" pitchFamily="18" charset="0"/>
+              </a:rPr>
+              <a:t>Sold Products</a:t>
+            </a:r>
+            <a:endParaRPr lang="en" sz="1600" b="1" dirty="0">
+              <a:latin typeface="Times New Roman" panose="02020603050405020304" pitchFamily="18" charset="0"/>
+              <a:cs typeface="Times New Roman" panose="02020603050405020304" pitchFamily="18" charset="0"/>
+            </a:endParaRPr>
+          </a:p>
+        </p:txBody>
+      </p:sp>
+    </p:spTree>
+    <p:extLst>
+      <p:ext uri="{BB962C8B-B14F-4D97-AF65-F5344CB8AC3E}">
+        <p14:creationId xmlns:p14="http://schemas.microsoft.com/office/powerpoint/2010/main" val="1703479523"/>
+      </p:ext>
+    </p:extLst>
+  </p:cSld>
+  <p:clrMapOvr>
+    <a:masterClrMapping/>
+  </p:clrMapOvr>
+</p:sld>
+</file>
+
+<file path=ppt/slides/slide22.xml><?xml version="1.0" encoding="utf-8"?>
+<p:sld xmlns:a="http://schemas.openxmlformats.org/drawingml/2006/main" xmlns:r="http://schemas.openxmlformats.org/officeDocument/2006/relationships" xmlns:p="http://schemas.openxmlformats.org/presentationml/2006/main">
+  <p:cSld>
+    <p:spTree>
+      <p:nvGrpSpPr>
+        <p:cNvPr id="1" name="Shape 235"/>
+        <p:cNvGrpSpPr/>
+        <p:nvPr/>
+      </p:nvGrpSpPr>
+      <p:grpSpPr>
+        <a:xfrm>
+          <a:off x="0" y="0"/>
+          <a:ext cx="0" cy="0"/>
+          <a:chOff x="0" y="0"/>
+          <a:chExt cx="0" cy="0"/>
+        </a:xfrm>
+      </p:grpSpPr>
+      <p:sp>
+        <p:nvSpPr>
+          <p:cNvPr id="236" name="Google Shape;236;p16"/>
+          <p:cNvSpPr txBox="1">
+            <a:spLocks noGrp="1"/>
+          </p:cNvSpPr>
+          <p:nvPr>
+            <p:ph type="title"/>
+          </p:nvPr>
+        </p:nvSpPr>
+        <p:spPr>
+          <a:xfrm>
+            <a:off x="749577" y="521971"/>
+            <a:ext cx="5492400" cy="766200"/>
+          </a:xfrm>
+          <a:prstGeom prst="rect">
+            <a:avLst/>
+          </a:prstGeom>
+        </p:spPr>
+        <p:txBody>
+          <a:bodyPr spcFirstLastPara="1" wrap="square" lIns="91425" tIns="91425" rIns="91425" bIns="91425" anchor="ctr" anchorCtr="0">
+            <a:noAutofit/>
+          </a:bodyPr>
+          <a:lstStyle/>
+          <a:p>
+            <a:r>
+              <a:rPr lang="en" sz="2800" dirty="0"/>
+              <a:t>Merchant Monetary System</a:t>
+            </a:r>
+            <a:endParaRPr lang="en" sz="2800" b="0"/>
+          </a:p>
+          <a:p>
+            <a:pPr marL="0" lvl="0" indent="0" algn="l">
+              <a:spcBef>
+                <a:spcPts val="0"/>
+              </a:spcBef>
+              <a:spcAft>
+                <a:spcPts val="0"/>
+              </a:spcAft>
+              <a:buNone/>
+            </a:pPr>
+            <a:endParaRPr lang="en" sz="2800" dirty="0"/>
+          </a:p>
+        </p:txBody>
+      </p:sp>
+      <p:sp>
+        <p:nvSpPr>
+          <p:cNvPr id="238" name="Google Shape;238;p16"/>
+          <p:cNvSpPr txBox="1">
+            <a:spLocks noGrp="1"/>
+          </p:cNvSpPr>
+          <p:nvPr>
+            <p:ph type="sldNum" idx="12"/>
+          </p:nvPr>
+        </p:nvSpPr>
+        <p:spPr>
+          <a:xfrm>
+            <a:off x="7618000" y="4636500"/>
+            <a:ext cx="1487400" cy="315600"/>
+          </a:xfrm>
+          <a:prstGeom prst="rect">
+            <a:avLst/>
+          </a:prstGeom>
+        </p:spPr>
+        <p:txBody>
+          <a:bodyPr spcFirstLastPara="1" wrap="square" lIns="91425" tIns="91425" rIns="91425" bIns="91425" anchor="ctr" anchorCtr="0">
+            <a:noAutofit/>
+          </a:bodyPr>
+          <a:lstStyle/>
+          <a:p>
+            <a:pPr marL="0" lvl="0" indent="0" algn="r" rtl="0">
+              <a:spcBef>
+                <a:spcPts val="0"/>
+              </a:spcBef>
+              <a:spcAft>
+                <a:spcPts val="0"/>
+              </a:spcAft>
+              <a:buNone/>
+            </a:pPr>
+            <a:fld id="{00000000-1234-1234-1234-123412341234}" type="slidenum">
+              <a:rPr lang="en"/>
+              <a:t>22</a:t>
+            </a:fld>
+            <a:endParaRPr/>
+          </a:p>
+        </p:txBody>
+      </p:sp>
+      <p:sp>
+        <p:nvSpPr>
+          <p:cNvPr id="3" name="Google Shape;237;p16">
+            <a:extLst>
+              <a:ext uri="{FF2B5EF4-FFF2-40B4-BE49-F238E27FC236}">
+                <a16:creationId xmlns:a16="http://schemas.microsoft.com/office/drawing/2014/main" id="{7C3A3A3A-0852-D43C-0CFA-CC88495D1EC1}"/>
+              </a:ext>
+            </a:extLst>
+          </p:cNvPr>
+          <p:cNvSpPr txBox="1">
+            <a:spLocks/>
+          </p:cNvSpPr>
+          <p:nvPr/>
+        </p:nvSpPr>
+        <p:spPr>
+          <a:xfrm>
+            <a:off x="577282" y="1729256"/>
+            <a:ext cx="6132600" cy="643842"/>
+          </a:xfrm>
+          <a:prstGeom prst="rect">
+            <a:avLst/>
+          </a:prstGeom>
+          <a:noFill/>
+          <a:ln>
+            <a:noFill/>
+          </a:ln>
+        </p:spPr>
+        <p:txBody>
+          <a:bodyPr spcFirstLastPara="1" wrap="square" lIns="91425" tIns="91425" rIns="91425" bIns="91425" anchor="ctr" anchorCtr="0">
+            <a:noAutofit/>
+          </a:bodyPr>
+          <a:lstStyle>
+            <a:defPPr marR="0" lvl="0" algn="l" rtl="0">
+              <a:lnSpc>
+                <a:spcPct val="100000"/>
+              </a:lnSpc>
+              <a:spcBef>
+                <a:spcPts val="0"/>
+              </a:spcBef>
+              <a:spcAft>
+                <a:spcPts val="0"/>
+              </a:spcAft>
+            </a:defPPr>
+            <a:lvl1pPr marL="457200" marR="0" lvl="0" indent="-381000" algn="l" rtl="0">
+              <a:lnSpc>
+                <a:spcPct val="100000"/>
+              </a:lnSpc>
+              <a:spcBef>
+                <a:spcPts val="600"/>
+              </a:spcBef>
+              <a:spcAft>
+                <a:spcPts val="0"/>
+              </a:spcAft>
+              <a:buClr>
+                <a:schemeClr val="accent4"/>
+              </a:buClr>
+              <a:buSzPts val="2400"/>
+              <a:buFont typeface="Roboto Condensed Light"/>
+              <a:buChar char="▰"/>
+              <a:defRPr sz="2400" b="0" i="0" u="none" strike="noStrike" cap="none">
+                <a:solidFill>
+                  <a:schemeClr val="dk1"/>
+                </a:solidFill>
+                <a:latin typeface="Roboto Condensed Light"/>
+                <a:ea typeface="Roboto Condensed Light"/>
+                <a:cs typeface="Roboto Condensed Light"/>
+                <a:sym typeface="Roboto Condensed Light"/>
+              </a:defRPr>
+            </a:lvl1pPr>
+            <a:lvl2pPr marL="914400" marR="0" lvl="1" indent="-381000" algn="l" rtl="0">
+              <a:lnSpc>
+                <a:spcPct val="100000"/>
+              </a:lnSpc>
+              <a:spcBef>
+                <a:spcPts val="1000"/>
+              </a:spcBef>
+              <a:spcAft>
+                <a:spcPts val="0"/>
+              </a:spcAft>
+              <a:buClr>
+                <a:schemeClr val="accent4"/>
+              </a:buClr>
+              <a:buSzPts val="2400"/>
+              <a:buFont typeface="Roboto Condensed Light"/>
+              <a:buChar char="▻"/>
+              <a:defRPr sz="2400" b="0" i="0" u="none" strike="noStrike" cap="none">
+                <a:solidFill>
+                  <a:schemeClr val="dk1"/>
+                </a:solidFill>
+                <a:latin typeface="Roboto Condensed Light"/>
+                <a:ea typeface="Roboto Condensed Light"/>
+                <a:cs typeface="Roboto Condensed Light"/>
+                <a:sym typeface="Roboto Condensed Light"/>
+              </a:defRPr>
+            </a:lvl2pPr>
+            <a:lvl3pPr marL="1371600" marR="0" lvl="2" indent="-381000" algn="l" rtl="0">
+              <a:lnSpc>
+                <a:spcPct val="100000"/>
+              </a:lnSpc>
+              <a:spcBef>
+                <a:spcPts val="1000"/>
+              </a:spcBef>
+              <a:spcAft>
+                <a:spcPts val="0"/>
+              </a:spcAft>
+              <a:buClr>
+                <a:schemeClr val="accent4"/>
+              </a:buClr>
+              <a:buSzPts val="2400"/>
+              <a:buFont typeface="Roboto Condensed Light"/>
+              <a:buChar char="▻"/>
+              <a:defRPr sz="2400" b="0" i="0" u="none" strike="noStrike" cap="none">
+                <a:solidFill>
+                  <a:schemeClr val="dk1"/>
+                </a:solidFill>
+                <a:latin typeface="Roboto Condensed Light"/>
+                <a:ea typeface="Roboto Condensed Light"/>
+                <a:cs typeface="Roboto Condensed Light"/>
+                <a:sym typeface="Roboto Condensed Light"/>
+              </a:defRPr>
+            </a:lvl3pPr>
+            <a:lvl4pPr marL="1828800" marR="0" lvl="3" indent="-381000" algn="l" rtl="0">
+              <a:lnSpc>
+                <a:spcPct val="100000"/>
+              </a:lnSpc>
+              <a:spcBef>
+                <a:spcPts val="1000"/>
+              </a:spcBef>
+              <a:spcAft>
+                <a:spcPts val="0"/>
+              </a:spcAft>
+              <a:buClr>
+                <a:schemeClr val="accent4"/>
+              </a:buClr>
+              <a:buSzPts val="2400"/>
+              <a:buFont typeface="Roboto Condensed Light"/>
+              <a:buChar char="▻"/>
+              <a:defRPr sz="2400" b="0" i="0" u="none" strike="noStrike" cap="none">
+                <a:solidFill>
+                  <a:schemeClr val="dk1"/>
+                </a:solidFill>
+                <a:latin typeface="Roboto Condensed Light"/>
+                <a:ea typeface="Roboto Condensed Light"/>
+                <a:cs typeface="Roboto Condensed Light"/>
+                <a:sym typeface="Roboto Condensed Light"/>
+              </a:defRPr>
+            </a:lvl4pPr>
+            <a:lvl5pPr marL="2286000" marR="0" lvl="4" indent="-381000" algn="l" rtl="0">
+              <a:lnSpc>
+                <a:spcPct val="100000"/>
+              </a:lnSpc>
+              <a:spcBef>
+                <a:spcPts val="1000"/>
+              </a:spcBef>
+              <a:spcAft>
+                <a:spcPts val="0"/>
+              </a:spcAft>
+              <a:buClr>
+                <a:schemeClr val="accent4"/>
+              </a:buClr>
+              <a:buSzPts val="2400"/>
+              <a:buFont typeface="Roboto Condensed Light"/>
+              <a:buChar char="▻"/>
+              <a:defRPr sz="2400" b="0" i="0" u="none" strike="noStrike" cap="none">
+                <a:solidFill>
+                  <a:schemeClr val="dk1"/>
+                </a:solidFill>
+                <a:latin typeface="Roboto Condensed Light"/>
+                <a:ea typeface="Roboto Condensed Light"/>
+                <a:cs typeface="Roboto Condensed Light"/>
+                <a:sym typeface="Roboto Condensed Light"/>
+              </a:defRPr>
+            </a:lvl5pPr>
+            <a:lvl6pPr marL="2743200" marR="0" lvl="5" indent="-381000" algn="l" rtl="0">
+              <a:lnSpc>
+                <a:spcPct val="100000"/>
+              </a:lnSpc>
+              <a:spcBef>
+                <a:spcPts val="1000"/>
+              </a:spcBef>
+              <a:spcAft>
+                <a:spcPts val="0"/>
+              </a:spcAft>
+              <a:buClr>
+                <a:schemeClr val="accent4"/>
+              </a:buClr>
+              <a:buSzPts val="2400"/>
+              <a:buFont typeface="Roboto Condensed Light"/>
+              <a:buChar char="▻"/>
+              <a:defRPr sz="2400" b="0" i="0" u="none" strike="noStrike" cap="none">
+                <a:solidFill>
+                  <a:schemeClr val="dk1"/>
+                </a:solidFill>
+                <a:latin typeface="Roboto Condensed Light"/>
+                <a:ea typeface="Roboto Condensed Light"/>
+                <a:cs typeface="Roboto Condensed Light"/>
+                <a:sym typeface="Roboto Condensed Light"/>
+              </a:defRPr>
+            </a:lvl6pPr>
+            <a:lvl7pPr marL="3200400" marR="0" lvl="6" indent="-381000" algn="l" rtl="0">
+              <a:lnSpc>
+                <a:spcPct val="100000"/>
+              </a:lnSpc>
+              <a:spcBef>
+                <a:spcPts val="1000"/>
+              </a:spcBef>
+              <a:spcAft>
+                <a:spcPts val="0"/>
+              </a:spcAft>
+              <a:buClr>
+                <a:schemeClr val="accent4"/>
+              </a:buClr>
+              <a:buSzPts val="2400"/>
+              <a:buFont typeface="Roboto Condensed Light"/>
+              <a:buChar char="▻"/>
+              <a:defRPr sz="2400" b="0" i="0" u="none" strike="noStrike" cap="none">
+                <a:solidFill>
+                  <a:schemeClr val="dk1"/>
+                </a:solidFill>
+                <a:latin typeface="Roboto Condensed Light"/>
+                <a:ea typeface="Roboto Condensed Light"/>
+                <a:cs typeface="Roboto Condensed Light"/>
+                <a:sym typeface="Roboto Condensed Light"/>
+              </a:defRPr>
+            </a:lvl7pPr>
+            <a:lvl8pPr marL="3657600" marR="0" lvl="7" indent="-381000" algn="l" rtl="0">
+              <a:lnSpc>
+                <a:spcPct val="100000"/>
+              </a:lnSpc>
+              <a:spcBef>
+                <a:spcPts val="1000"/>
+              </a:spcBef>
+              <a:spcAft>
+                <a:spcPts val="0"/>
+              </a:spcAft>
+              <a:buClr>
+                <a:schemeClr val="accent4"/>
+              </a:buClr>
+              <a:buSzPts val="2400"/>
+              <a:buFont typeface="Roboto Condensed Light"/>
+              <a:buChar char="▻"/>
+              <a:defRPr sz="2400" b="0" i="0" u="none" strike="noStrike" cap="none">
+                <a:solidFill>
+                  <a:schemeClr val="dk1"/>
+                </a:solidFill>
+                <a:latin typeface="Roboto Condensed Light"/>
+                <a:ea typeface="Roboto Condensed Light"/>
+                <a:cs typeface="Roboto Condensed Light"/>
+                <a:sym typeface="Roboto Condensed Light"/>
+              </a:defRPr>
+            </a:lvl8pPr>
+            <a:lvl9pPr marL="4114800" marR="0" lvl="8" indent="-381000" algn="l" rtl="0">
+              <a:lnSpc>
+                <a:spcPct val="100000"/>
+              </a:lnSpc>
+              <a:spcBef>
+                <a:spcPts val="1000"/>
+              </a:spcBef>
+              <a:spcAft>
+                <a:spcPts val="1000"/>
+              </a:spcAft>
+              <a:buClr>
+                <a:schemeClr val="accent4"/>
+              </a:buClr>
+              <a:buSzPts val="2400"/>
+              <a:buFont typeface="Roboto Condensed Light"/>
+              <a:buChar char="▻"/>
+              <a:defRPr sz="2400" b="0" i="0" u="none" strike="noStrike" cap="none">
+                <a:solidFill>
+                  <a:schemeClr val="dk1"/>
+                </a:solidFill>
+                <a:latin typeface="Roboto Condensed Light"/>
+                <a:ea typeface="Roboto Condensed Light"/>
+                <a:cs typeface="Roboto Condensed Light"/>
+                <a:sym typeface="Roboto Condensed Light"/>
+              </a:defRPr>
+            </a:lvl9pPr>
+          </a:lstStyle>
+          <a:p>
+            <a:pPr marL="76200" indent="0">
+              <a:spcBef>
+                <a:spcPts val="0"/>
+              </a:spcBef>
+              <a:buNone/>
+            </a:pPr>
+            <a:r>
+              <a:rPr lang="en-US" b="1" dirty="0">
+                <a:latin typeface="Times New Roman"/>
+              </a:rPr>
+              <a:t>Project Plan</a:t>
+            </a:r>
+            <a:endParaRPr lang="en" b="1" dirty="0">
+              <a:latin typeface="Times New Roman"/>
+            </a:endParaRPr>
+          </a:p>
+          <a:p>
+            <a:pPr>
+              <a:spcBef>
+                <a:spcPts val="0"/>
+              </a:spcBef>
+              <a:buFont typeface="Roboto Condensed Light"/>
+              <a:buChar char="▰"/>
+            </a:pPr>
+            <a:endParaRPr lang="en" dirty="0">
+              <a:latin typeface="Times New Roman"/>
+            </a:endParaRPr>
+          </a:p>
+        </p:txBody>
+      </p:sp>
+      <p:graphicFrame>
+        <p:nvGraphicFramePr>
+          <p:cNvPr id="8" name="Table 7">
+            <a:extLst>
+              <a:ext uri="{FF2B5EF4-FFF2-40B4-BE49-F238E27FC236}">
+                <a16:creationId xmlns:a16="http://schemas.microsoft.com/office/drawing/2014/main" id="{5314AC34-6246-4A6C-A519-AB46B4C08AD2}"/>
+              </a:ext>
+            </a:extLst>
+          </p:cNvPr>
+          <p:cNvGraphicFramePr>
+            <a:graphicFrameLocks noGrp="1"/>
+          </p:cNvGraphicFramePr>
+          <p:nvPr>
+            <p:extLst>
+              <p:ext uri="{D42A27DB-BD31-4B8C-83A1-F6EECF244321}">
+                <p14:modId xmlns:p14="http://schemas.microsoft.com/office/powerpoint/2010/main" val="1138043179"/>
+              </p:ext>
+            </p:extLst>
+          </p:nvPr>
+        </p:nvGraphicFramePr>
+        <p:xfrm>
+          <a:off x="999461" y="2373098"/>
+          <a:ext cx="6464595" cy="1630680"/>
+        </p:xfrm>
+        <a:graphic>
+          <a:graphicData uri="http://schemas.openxmlformats.org/drawingml/2006/table">
+            <a:tbl>
+              <a:tblPr firstRow="1" bandRow="1">
+                <a:tableStyleId>{E27665BA-8202-44FC-AD62-C9F0E3EA811A}</a:tableStyleId>
+              </a:tblPr>
+              <a:tblGrid>
+                <a:gridCol w="2057991">
+                  <a:extLst>
+                    <a:ext uri="{9D8B030D-6E8A-4147-A177-3AD203B41FA5}">
+                      <a16:colId xmlns:a16="http://schemas.microsoft.com/office/drawing/2014/main" val="302003915"/>
+                    </a:ext>
+                  </a:extLst>
+                </a:gridCol>
+                <a:gridCol w="2203302">
+                  <a:extLst>
+                    <a:ext uri="{9D8B030D-6E8A-4147-A177-3AD203B41FA5}">
+                      <a16:colId xmlns:a16="http://schemas.microsoft.com/office/drawing/2014/main" val="2751317016"/>
+                    </a:ext>
+                  </a:extLst>
+                </a:gridCol>
+                <a:gridCol w="2203302">
+                  <a:extLst>
+                    <a:ext uri="{9D8B030D-6E8A-4147-A177-3AD203B41FA5}">
+                      <a16:colId xmlns:a16="http://schemas.microsoft.com/office/drawing/2014/main" val="477106079"/>
+                    </a:ext>
+                  </a:extLst>
+                </a:gridCol>
+              </a:tblGrid>
+              <a:tr h="370840">
+                <a:tc>
+                  <a:txBody>
+                    <a:bodyPr/>
+                    <a:lstStyle/>
+                    <a:p>
+                      <a:r>
+                        <a:rPr lang="en-US" sz="1400" b="1" i="0" u="none" strike="noStrike" cap="none" baseline="0" dirty="0">
+                          <a:solidFill>
+                            <a:srgbClr val="000000"/>
+                          </a:solidFill>
+                          <a:latin typeface="Arial"/>
+                          <a:ea typeface="Arial"/>
+                          <a:cs typeface="Arial"/>
+                          <a:sym typeface="Arial"/>
+                        </a:rPr>
+                        <a:t>Use Case Id</a:t>
+                      </a:r>
+                      <a:endParaRPr lang="en-US" b="1" dirty="0"/>
+                    </a:p>
+                  </a:txBody>
+                  <a:tcPr/>
+                </a:tc>
+                <a:tc>
+                  <a:txBody>
+                    <a:bodyPr/>
+                    <a:lstStyle/>
+                    <a:p>
+                      <a:r>
+                        <a:rPr lang="en-US" sz="1400" b="1" i="0" u="none" strike="noStrike" cap="none" baseline="0" dirty="0">
+                          <a:solidFill>
+                            <a:srgbClr val="000000"/>
+                          </a:solidFill>
+                          <a:latin typeface="Arial"/>
+                          <a:ea typeface="Arial"/>
+                          <a:cs typeface="Arial"/>
+                          <a:sym typeface="Arial"/>
+                        </a:rPr>
+                        <a:t>Member Name</a:t>
+                      </a:r>
+                      <a:endParaRPr lang="en-US" b="1" dirty="0"/>
+                    </a:p>
+                  </a:txBody>
+                  <a:tcPr/>
+                </a:tc>
+                <a:tc>
+                  <a:txBody>
+                    <a:bodyPr/>
+                    <a:lstStyle/>
+                    <a:p>
+                      <a:r>
+                        <a:rPr lang="en-US" sz="1400" b="1" i="0" u="none" strike="noStrike" cap="none" baseline="0" dirty="0">
+                          <a:solidFill>
+                            <a:srgbClr val="000000"/>
+                          </a:solidFill>
+                          <a:latin typeface="Arial"/>
+                          <a:ea typeface="Arial"/>
+                          <a:cs typeface="Arial"/>
+                          <a:sym typeface="Arial"/>
+                        </a:rPr>
+                        <a:t>Estimated Completion</a:t>
+                      </a:r>
+                    </a:p>
+                    <a:p>
+                      <a:r>
+                        <a:rPr lang="en-US" sz="1400" b="1" i="0" u="none" strike="noStrike" cap="none" baseline="0" dirty="0">
+                          <a:solidFill>
+                            <a:srgbClr val="000000"/>
+                          </a:solidFill>
+                          <a:latin typeface="Arial"/>
+                          <a:ea typeface="Arial"/>
+                          <a:cs typeface="Arial"/>
+                          <a:sym typeface="Arial"/>
+                        </a:rPr>
+                        <a:t>Date</a:t>
+                      </a:r>
+                      <a:endParaRPr lang="en-US" b="1" dirty="0"/>
+                    </a:p>
+                  </a:txBody>
+                  <a:tcPr/>
+                </a:tc>
+                <a:extLst>
+                  <a:ext uri="{0D108BD9-81ED-4DB2-BD59-A6C34878D82A}">
+                    <a16:rowId xmlns:a16="http://schemas.microsoft.com/office/drawing/2014/main" val="758618675"/>
+                  </a:ext>
+                </a:extLst>
+              </a:tr>
+              <a:tr h="370840">
+                <a:tc>
+                  <a:txBody>
+                    <a:bodyPr/>
+                    <a:lstStyle/>
+                    <a:p>
+                      <a:r>
+                        <a:rPr lang="en-US" sz="1400" b="0" i="0" u="none" strike="noStrike" cap="none" baseline="0" dirty="0">
+                          <a:solidFill>
+                            <a:srgbClr val="000000"/>
+                          </a:solidFill>
+                          <a:latin typeface="Arial"/>
+                          <a:ea typeface="Arial"/>
+                          <a:cs typeface="Arial"/>
+                          <a:sym typeface="Arial"/>
+                        </a:rPr>
+                        <a:t>001-008</a:t>
+                      </a:r>
+                      <a:endParaRPr lang="en-US" dirty="0"/>
+                    </a:p>
+                  </a:txBody>
+                  <a:tcPr/>
+                </a:tc>
+                <a:tc>
+                  <a:txBody>
+                    <a:bodyPr/>
+                    <a:lstStyle/>
+                    <a:p>
+                      <a:r>
+                        <a:rPr lang="en-US" sz="1400" b="0" i="0" u="none" strike="noStrike" cap="none" baseline="0" dirty="0">
+                          <a:solidFill>
+                            <a:srgbClr val="000000"/>
+                          </a:solidFill>
+                          <a:latin typeface="Arial"/>
+                          <a:ea typeface="Arial"/>
+                          <a:cs typeface="Arial"/>
+                          <a:sym typeface="Arial"/>
+                        </a:rPr>
+                        <a:t>Syed </a:t>
+                      </a:r>
+                      <a:r>
+                        <a:rPr lang="en-US" sz="1400" b="0" i="0" u="none" strike="noStrike" cap="none" baseline="0" dirty="0" err="1">
+                          <a:solidFill>
+                            <a:srgbClr val="000000"/>
+                          </a:solidFill>
+                          <a:latin typeface="Arial"/>
+                          <a:ea typeface="Arial"/>
+                          <a:cs typeface="Arial"/>
+                          <a:sym typeface="Arial"/>
+                        </a:rPr>
+                        <a:t>Hashir</a:t>
+                      </a:r>
+                      <a:r>
+                        <a:rPr lang="en-US" sz="1400" b="0" i="0" u="none" strike="noStrike" cap="none" baseline="0" dirty="0">
+                          <a:solidFill>
+                            <a:srgbClr val="000000"/>
+                          </a:solidFill>
+                          <a:latin typeface="Arial"/>
+                          <a:ea typeface="Arial"/>
+                          <a:cs typeface="Arial"/>
+                          <a:sym typeface="Arial"/>
+                        </a:rPr>
+                        <a:t> Hussain </a:t>
+                      </a:r>
+                      <a:endParaRPr lang="en-US" dirty="0"/>
+                    </a:p>
+                  </a:txBody>
+                  <a:tcPr/>
+                </a:tc>
+                <a:tc>
+                  <a:txBody>
+                    <a:bodyPr/>
+                    <a:lstStyle/>
+                    <a:p>
+                      <a:r>
+                        <a:rPr lang="en-US" sz="1400" b="0" i="0" u="none" strike="noStrike" cap="none" baseline="0" dirty="0">
+                          <a:solidFill>
+                            <a:srgbClr val="000000"/>
+                          </a:solidFill>
+                          <a:latin typeface="Arial"/>
+                          <a:ea typeface="Arial"/>
+                          <a:cs typeface="Arial"/>
+                          <a:sym typeface="Arial"/>
+                        </a:rPr>
+                        <a:t>09/12/2022</a:t>
+                      </a:r>
+                      <a:endParaRPr lang="en-US" dirty="0"/>
+                    </a:p>
+                  </a:txBody>
+                  <a:tcPr/>
+                </a:tc>
+                <a:extLst>
+                  <a:ext uri="{0D108BD9-81ED-4DB2-BD59-A6C34878D82A}">
+                    <a16:rowId xmlns:a16="http://schemas.microsoft.com/office/drawing/2014/main" val="1157311912"/>
+                  </a:ext>
+                </a:extLst>
+              </a:tr>
+              <a:tr h="370840">
+                <a:tc>
+                  <a:txBody>
+                    <a:bodyPr/>
+                    <a:lstStyle/>
+                    <a:p>
+                      <a:r>
+                        <a:rPr lang="en-US" sz="1400" b="0" i="0" u="none" strike="noStrike" cap="none" baseline="0" dirty="0">
+                          <a:solidFill>
+                            <a:srgbClr val="000000"/>
+                          </a:solidFill>
+                          <a:latin typeface="Arial"/>
+                          <a:ea typeface="Arial"/>
+                          <a:cs typeface="Arial"/>
+                          <a:sym typeface="Arial"/>
+                        </a:rPr>
+                        <a:t>009-018</a:t>
+                      </a:r>
+                      <a:endParaRPr lang="en-US" dirty="0"/>
+                    </a:p>
+                  </a:txBody>
+                  <a:tcPr/>
+                </a:tc>
+                <a:tc>
+                  <a:txBody>
+                    <a:bodyPr/>
+                    <a:lstStyle/>
+                    <a:p>
+                      <a:r>
+                        <a:rPr lang="en-US" sz="1400" b="0" i="0" u="none" strike="noStrike" cap="none" baseline="0" dirty="0">
+                          <a:solidFill>
+                            <a:srgbClr val="000000"/>
+                          </a:solidFill>
+                          <a:latin typeface="Arial"/>
+                          <a:ea typeface="Arial"/>
+                          <a:cs typeface="Arial"/>
+                          <a:sym typeface="Arial"/>
+                        </a:rPr>
+                        <a:t>Kabir Ahmed</a:t>
+                      </a:r>
+                      <a:endParaRPr lang="en-US" dirty="0"/>
+                    </a:p>
+                  </a:txBody>
+                  <a:tcPr/>
+                </a:tc>
+                <a:tc>
+                  <a:txBody>
+                    <a:bodyPr/>
+                    <a:lstStyle/>
+                    <a:p>
+                      <a:r>
+                        <a:rPr lang="en-US" sz="1400" b="0" i="0" u="none" strike="noStrike" cap="none" baseline="0" dirty="0">
+                          <a:solidFill>
+                            <a:srgbClr val="000000"/>
+                          </a:solidFill>
+                          <a:latin typeface="Arial"/>
+                          <a:ea typeface="Arial"/>
+                          <a:cs typeface="Arial"/>
+                          <a:sym typeface="Arial"/>
+                        </a:rPr>
+                        <a:t>10/12/2022</a:t>
+                      </a:r>
+                      <a:endParaRPr lang="en-US" dirty="0"/>
+                    </a:p>
+                  </a:txBody>
+                  <a:tcPr/>
+                </a:tc>
+                <a:extLst>
+                  <a:ext uri="{0D108BD9-81ED-4DB2-BD59-A6C34878D82A}">
+                    <a16:rowId xmlns:a16="http://schemas.microsoft.com/office/drawing/2014/main" val="1475053584"/>
+                  </a:ext>
+                </a:extLst>
+              </a:tr>
+              <a:tr h="370840">
+                <a:tc>
+                  <a:txBody>
+                    <a:bodyPr/>
+                    <a:lstStyle/>
+                    <a:p>
+                      <a:r>
+                        <a:rPr lang="en-US" sz="1400" b="0" i="0" u="none" strike="noStrike" cap="none" baseline="0" dirty="0">
+                          <a:solidFill>
+                            <a:srgbClr val="000000"/>
+                          </a:solidFill>
+                          <a:latin typeface="Arial"/>
+                          <a:ea typeface="Arial"/>
+                          <a:cs typeface="Arial"/>
+                          <a:sym typeface="Arial"/>
+                        </a:rPr>
+                        <a:t>019-026</a:t>
+                      </a:r>
+                      <a:endParaRPr lang="en-US" dirty="0"/>
+                    </a:p>
+                  </a:txBody>
+                  <a:tcPr/>
+                </a:tc>
+                <a:tc>
+                  <a:txBody>
+                    <a:bodyPr/>
+                    <a:lstStyle/>
+                    <a:p>
+                      <a:r>
+                        <a:rPr lang="en-US" sz="1400" b="0" i="0" u="none" strike="noStrike" cap="none" baseline="0" dirty="0">
+                          <a:solidFill>
+                            <a:srgbClr val="000000"/>
+                          </a:solidFill>
+                          <a:latin typeface="Arial"/>
+                          <a:ea typeface="Arial"/>
+                          <a:cs typeface="Arial"/>
+                          <a:sym typeface="Arial"/>
+                        </a:rPr>
+                        <a:t>M. Hamad Hassan</a:t>
+                      </a:r>
+                      <a:endParaRPr lang="en-US" dirty="0"/>
+                    </a:p>
+                  </a:txBody>
+                  <a:tcPr/>
+                </a:tc>
+                <a:tc>
+                  <a:txBody>
+                    <a:bodyPr/>
+                    <a:lstStyle/>
+                    <a:p>
+                      <a:r>
+                        <a:rPr lang="en-US" sz="1400" b="0" i="0" u="none" strike="noStrike" cap="none" baseline="0" dirty="0">
+                          <a:solidFill>
+                            <a:srgbClr val="000000"/>
+                          </a:solidFill>
+                          <a:latin typeface="Arial"/>
+                          <a:ea typeface="Arial"/>
+                          <a:cs typeface="Arial"/>
+                          <a:sym typeface="Arial"/>
+                        </a:rPr>
+                        <a:t>11/12/2022</a:t>
+                      </a:r>
+                      <a:endParaRPr lang="en-US" dirty="0"/>
+                    </a:p>
+                  </a:txBody>
+                  <a:tcPr/>
+                </a:tc>
+                <a:extLst>
+                  <a:ext uri="{0D108BD9-81ED-4DB2-BD59-A6C34878D82A}">
+                    <a16:rowId xmlns:a16="http://schemas.microsoft.com/office/drawing/2014/main" val="1634745736"/>
+                  </a:ext>
+                </a:extLst>
+              </a:tr>
+            </a:tbl>
+          </a:graphicData>
+        </a:graphic>
+      </p:graphicFrame>
+    </p:spTree>
+    <p:extLst>
+      <p:ext uri="{BB962C8B-B14F-4D97-AF65-F5344CB8AC3E}">
+        <p14:creationId xmlns:p14="http://schemas.microsoft.com/office/powerpoint/2010/main" val="2993554965"/>
+      </p:ext>
+    </p:extLst>
   </p:cSld>
   <p:clrMapOvr>
     <a:masterClrMapping/>
@@ -19350,7 +21759,7 @@
               </a:rPr>
               <a:t>Data Structures Used in the project:</a:t>
             </a:r>
-            <a:endParaRPr lang="en" b="1">
+            <a:endParaRPr lang="en" b="1" dirty="0">
               <a:latin typeface="Times New Roman"/>
               <a:cs typeface="Times New Roman"/>
             </a:endParaRPr>
@@ -19649,7 +22058,7 @@
           <p:cNvPr id="3" name="Text Placeholder 2">
             <a:extLst>
               <a:ext uri="{FF2B5EF4-FFF2-40B4-BE49-F238E27FC236}">
-                <a16:creationId xmlns:a16="http://schemas.microsoft.com/office/drawing/2014/main" id="{1B220088-5167-FD18-8E19-4278E90261E2}"/>
+                <a16:creationId xmlns:a16="http://schemas.microsoft.com/office/drawing/2014/main" id="{321151C3-4BC5-805B-AA26-4C8FB664F192}"/>
               </a:ext>
             </a:extLst>
           </p:cNvPr>
@@ -19662,8 +22071,8 @@
         </p:nvSpPr>
         <p:spPr>
           <a:xfrm>
-            <a:off x="814275" y="1537988"/>
-            <a:ext cx="6365196" cy="567697"/>
+            <a:off x="781926" y="1241018"/>
+            <a:ext cx="3626309" cy="384385"/>
           </a:xfrm>
         </p:spPr>
         <p:txBody>
@@ -19674,10 +22083,10 @@
               <a:buNone/>
             </a:pPr>
             <a:r>
-              <a:rPr lang="en-US" b="1" dirty="0">
+              <a:rPr lang="en-US" sz="2400" b="1" dirty="0">
                 <a:latin typeface="Times New Roman"/>
               </a:rPr>
-              <a:t>PROJECT PLAN</a:t>
+              <a:t>User Interfaces</a:t>
             </a:r>
           </a:p>
         </p:txBody>
@@ -19687,7 +22096,7 @@
           <p:cNvPr id="5" name="Slide Number Placeholder 4">
             <a:extLst>
               <a:ext uri="{FF2B5EF4-FFF2-40B4-BE49-F238E27FC236}">
-                <a16:creationId xmlns:a16="http://schemas.microsoft.com/office/drawing/2014/main" id="{9E043DFB-BE79-E3F0-A6D4-44FA6F5B64B6}"/>
+                <a16:creationId xmlns:a16="http://schemas.microsoft.com/office/drawing/2014/main" id="{89923B3B-5A74-0CE3-F8B3-2408ED593B15}"/>
               </a:ext>
             </a:extLst>
           </p:cNvPr>
@@ -19698,7 +22107,12 @@
             <p:ph type="sldNum" idx="12"/>
           </p:nvPr>
         </p:nvSpPr>
-        <p:spPr/>
+        <p:spPr>
+          <a:xfrm>
+            <a:off x="7585651" y="4701198"/>
+            <a:ext cx="1487400" cy="315600"/>
+          </a:xfrm>
+        </p:spPr>
         <p:txBody>
           <a:bodyPr/>
           <a:lstStyle/>
@@ -19722,62 +22136,116 @@
       </p:sp>
       <p:sp>
         <p:nvSpPr>
-          <p:cNvPr id="7" name="Google Shape;268;p18">
+          <p:cNvPr id="6" name="TextBox 5">
             <a:extLst>
               <a:ext uri="{FF2B5EF4-FFF2-40B4-BE49-F238E27FC236}">
-                <a16:creationId xmlns:a16="http://schemas.microsoft.com/office/drawing/2014/main" id="{471CB736-8BDF-AA32-D322-49BA9E87B5A7}"/>
+                <a16:creationId xmlns:a16="http://schemas.microsoft.com/office/drawing/2014/main" id="{0F659AA9-A781-E527-8A47-BECCA1113491}"/>
               </a:ext>
             </a:extLst>
           </p:cNvPr>
-          <p:cNvSpPr txBox="1">
-            <a:spLocks noGrp="1"/>
-          </p:cNvSpPr>
-          <p:nvPr>
-            <p:ph type="title"/>
-          </p:nvPr>
+          <p:cNvSpPr txBox="1"/>
+          <p:nvPr/>
         </p:nvSpPr>
         <p:spPr>
           <a:xfrm>
-            <a:off x="911322" y="716065"/>
-            <a:ext cx="5258400" cy="766200"/>
+            <a:off x="935966" y="553169"/>
+            <a:ext cx="5762445" cy="1200329"/>
+          </a:xfrm>
+          <a:prstGeom prst="rect">
+            <a:avLst/>
+          </a:prstGeom>
+          <a:noFill/>
+        </p:spPr>
+        <p:txBody>
+          <a:bodyPr rot="0" spcFirstLastPara="0" vertOverflow="overflow" horzOverflow="overflow" vert="horz" wrap="square" lIns="91440" tIns="45720" rIns="91440" bIns="45720" numCol="1" spcCol="0" rtlCol="0" fromWordArt="0" anchor="t" anchorCtr="0" forceAA="0" compatLnSpc="1">
+            <a:prstTxWarp prst="textNoShape">
+              <a:avLst/>
+            </a:prstTxWarp>
+            <a:spAutoFit/>
+          </a:bodyPr>
+          <a:lstStyle/>
+          <a:p>
+            <a:r>
+              <a:rPr lang="en-US" sz="2400" b="1" dirty="0">
+                <a:solidFill>
+                  <a:srgbClr val="FFFFFF"/>
+                </a:solidFill>
+                <a:latin typeface="Roboto Condensed"/>
+                <a:cs typeface="Segoe UI"/>
+              </a:rPr>
+              <a:t>Merchant Monetary System</a:t>
+            </a:r>
+            <a:r>
+              <a:rPr lang="en-US" sz="2400" dirty="0">
+                <a:solidFill>
+                  <a:srgbClr val="263248"/>
+                </a:solidFill>
+                <a:latin typeface="Roboto Condensed"/>
+                <a:cs typeface="Segoe UI"/>
+              </a:rPr>
+              <a:t>​</a:t>
+            </a:r>
+          </a:p>
+          <a:p>
+            <a:r>
+              <a:rPr lang="en-US" sz="2400" dirty="0">
+                <a:solidFill>
+                  <a:srgbClr val="263248"/>
+                </a:solidFill>
+                <a:latin typeface="Roboto Condensed"/>
+                <a:cs typeface="Segoe UI"/>
+              </a:rPr>
+              <a:t>​</a:t>
+            </a:r>
+          </a:p>
+          <a:p>
+            <a:r>
+              <a:rPr lang="en-US" sz="2400" dirty="0">
+                <a:solidFill>
+                  <a:srgbClr val="263248"/>
+                </a:solidFill>
+                <a:latin typeface="Roboto Condensed"/>
+                <a:cs typeface="Segoe UI"/>
+              </a:rPr>
+              <a:t>​</a:t>
+            </a:r>
+          </a:p>
+        </p:txBody>
+      </p:sp>
+      <p:pic>
+        <p:nvPicPr>
+          <p:cNvPr id="7" name="Picture 7" descr="Graphical user interface, application&#10;&#10;Description automatically generated">
+            <a:extLst>
+              <a:ext uri="{FF2B5EF4-FFF2-40B4-BE49-F238E27FC236}">
+                <a16:creationId xmlns:a16="http://schemas.microsoft.com/office/drawing/2014/main" id="{023265F4-CE73-21C4-7B13-6D34A8FB7803}"/>
+              </a:ext>
+            </a:extLst>
+          </p:cNvPr>
+          <p:cNvPicPr>
+            <a:picLocks noChangeAspect="1"/>
+          </p:cNvPicPr>
+          <p:nvPr/>
+        </p:nvPicPr>
+        <p:blipFill>
+          <a:blip r:embed="rId2"/>
+          <a:stretch>
+            <a:fillRect/>
+          </a:stretch>
+        </p:blipFill>
+        <p:spPr>
+          <a:xfrm>
+            <a:off x="882052" y="1881692"/>
+            <a:ext cx="6463340" cy="2771124"/>
           </a:xfrm>
           <a:prstGeom prst="rect">
             <a:avLst/>
           </a:prstGeom>
         </p:spPr>
-        <p:txBody>
-          <a:bodyPr spcFirstLastPara="1" wrap="square" lIns="91425" tIns="91425" rIns="91425" bIns="91425" anchor="ctr" anchorCtr="0">
-            <a:noAutofit/>
-          </a:bodyPr>
-          <a:lstStyle/>
-          <a:p>
-            <a:r>
-              <a:rPr lang="en" sz="2400" dirty="0"/>
-              <a:t>Merchant Monetary System</a:t>
-            </a:r>
-            <a:endParaRPr lang="en" sz="2400" b="0" dirty="0"/>
-          </a:p>
-          <a:p>
-            <a:endParaRPr lang="en" sz="2400" b="0" dirty="0"/>
-          </a:p>
-          <a:p>
-            <a:pPr marL="0" lvl="0" indent="0" algn="l">
-              <a:spcBef>
-                <a:spcPts val="0"/>
-              </a:spcBef>
-              <a:spcAft>
-                <a:spcPts val="0"/>
-              </a:spcAft>
-              <a:buNone/>
-            </a:pPr>
-            <a:endParaRPr lang="en" sz="2400" dirty="0"/>
-          </a:p>
-        </p:txBody>
-      </p:sp>
+      </p:pic>
     </p:spTree>
     <p:extLst>
       <p:ext uri="{BB962C8B-B14F-4D97-AF65-F5344CB8AC3E}">
-        <p14:creationId xmlns:p14="http://schemas.microsoft.com/office/powerpoint/2010/main" val="529251972"/>
+        <p14:creationId xmlns:p14="http://schemas.microsoft.com/office/powerpoint/2010/main" val="871194872"/>
       </p:ext>
     </p:extLst>
   </p:cSld>
